--- a/assets/UB-Folienmaster.pptx
+++ b/assets/UB-Folienmaster.pptx
@@ -11,7 +11,7 @@
   <p:sldIdLst>
     <p:sldId id="257" r:id="rId3"/>
   </p:sldIdLst>
-  <p:sldSz cx="9144000" cy="6858000" type="screen4x3"/>
+  <p:sldSz cx="9144000" cy="5143500" type="screen16x9"/>
   <p:notesSz cx="6858000" cy="9144000"/>
   <p:defaultTextStyle>
     <a:defPPr>
@@ -141,12 +141,12 @@
   <p:extLst>
     <p:ext uri="{EFAFB233-063F-42B5-8137-9DF3F51BA10A}">
       <p15:sldGuideLst xmlns:p15="http://schemas.microsoft.com/office/powerpoint/2012/main">
-        <p15:guide id="1" orient="horz" pos="2160">
+        <p15:guide id="1" orient="horz" pos="1620" userDrawn="1">
           <p15:clr>
             <a:srgbClr val="A4A3A4"/>
           </p15:clr>
         </p15:guide>
-        <p15:guide id="2" pos="2880">
+        <p15:guide id="2" pos="2880" userDrawn="1">
           <p15:clr>
             <a:srgbClr val="A4A3A4"/>
           </p15:clr>
@@ -239,7 +239,7 @@
           <a:p>
             <a:fld id="{11CC1F19-F82A-4D98-A086-99E2CE902110}" type="datetimeFigureOut">
               <a:rPr lang="en-CA" smtClean="0"/>
-              <a:t>2022-12-21</a:t>
+              <a:t>2025-07-25</a:t>
             </a:fld>
             <a:endParaRPr lang="en-CA"/>
           </a:p>
@@ -257,8 +257,8 @@
         </p:nvSpPr>
         <p:spPr>
           <a:xfrm>
-            <a:off x="1371600" y="1143000"/>
-            <a:ext cx="4114800" cy="3086100"/>
+            <a:off x="685800" y="1143000"/>
+            <a:ext cx="5486400" cy="3086100"/>
           </a:xfrm>
           <a:prstGeom prst="rect">
             <a:avLst/>
@@ -536,8 +536,8 @@
         </p:nvSpPr>
         <p:spPr>
           <a:xfrm>
-            <a:off x="685800" y="2130425"/>
-            <a:ext cx="7772400" cy="1470025"/>
+            <a:off x="685800" y="1597820"/>
+            <a:ext cx="7772400" cy="1102519"/>
           </a:xfrm>
           <a:noFill/>
         </p:spPr>
@@ -565,8 +565,8 @@
         </p:nvSpPr>
         <p:spPr>
           <a:xfrm>
-            <a:off x="1371600" y="3886200"/>
-            <a:ext cx="6400800" cy="1752600"/>
+            <a:off x="1371600" y="2914650"/>
+            <a:ext cx="6400800" cy="1314450"/>
           </a:xfrm>
         </p:spPr>
         <p:txBody>
@@ -576,35 +576,35 @@
               <a:buNone/>
               <a:defRPr/>
             </a:lvl1pPr>
-            <a:lvl2pPr marL="457200" indent="0" algn="ctr">
+            <a:lvl2pPr marL="342892" indent="0" algn="ctr">
               <a:buNone/>
               <a:defRPr/>
             </a:lvl2pPr>
-            <a:lvl3pPr marL="914400" indent="0" algn="ctr">
+            <a:lvl3pPr marL="685783" indent="0" algn="ctr">
               <a:buNone/>
               <a:defRPr/>
             </a:lvl3pPr>
-            <a:lvl4pPr marL="1371600" indent="0" algn="ctr">
+            <a:lvl4pPr marL="1028675" indent="0" algn="ctr">
               <a:buNone/>
               <a:defRPr/>
             </a:lvl4pPr>
-            <a:lvl5pPr marL="1828800" indent="0" algn="ctr">
+            <a:lvl5pPr marL="1371566" indent="0" algn="ctr">
               <a:buNone/>
               <a:defRPr/>
             </a:lvl5pPr>
-            <a:lvl6pPr marL="2286000" indent="0" algn="ctr">
+            <a:lvl6pPr marL="1714457" indent="0" algn="ctr">
               <a:buNone/>
               <a:defRPr/>
             </a:lvl6pPr>
-            <a:lvl7pPr marL="2743200" indent="0" algn="ctr">
+            <a:lvl7pPr marL="2057348" indent="0" algn="ctr">
               <a:buNone/>
               <a:defRPr/>
             </a:lvl7pPr>
-            <a:lvl8pPr marL="3200400" indent="0" algn="ctr">
+            <a:lvl8pPr marL="2400240" indent="0" algn="ctr">
               <a:buNone/>
               <a:defRPr/>
             </a:lvl8pPr>
-            <a:lvl9pPr marL="3657600" indent="0" algn="ctr">
+            <a:lvl9pPr marL="2743132" indent="0" algn="ctr">
               <a:buNone/>
               <a:defRPr/>
             </a:lvl9pPr>
@@ -724,15 +724,15 @@
         </p:nvSpPr>
         <p:spPr>
           <a:xfrm>
-            <a:off x="1143000" y="1122363"/>
-            <a:ext cx="6858000" cy="2387600"/>
+            <a:off x="1143000" y="841772"/>
+            <a:ext cx="6858000" cy="1790700"/>
           </a:xfrm>
         </p:spPr>
         <p:txBody>
           <a:bodyPr anchor="b"/>
           <a:lstStyle>
             <a:lvl1pPr algn="ctr">
-              <a:defRPr sz="6000"/>
+              <a:defRPr sz="4500"/>
             </a:lvl1pPr>
           </a:lstStyle>
           <a:p>
@@ -762,8 +762,8 @@
         </p:nvSpPr>
         <p:spPr>
           <a:xfrm>
-            <a:off x="1143000" y="3602038"/>
-            <a:ext cx="6858000" cy="1655762"/>
+            <a:off x="1143000" y="2701528"/>
+            <a:ext cx="6858000" cy="1241822"/>
           </a:xfrm>
         </p:spPr>
         <p:txBody>
@@ -771,39 +771,39 @@
           <a:lstStyle>
             <a:lvl1pPr marL="0" indent="0" algn="ctr">
               <a:buNone/>
-              <a:defRPr sz="2400"/>
+              <a:defRPr sz="1800"/>
             </a:lvl1pPr>
-            <a:lvl2pPr marL="457200" indent="0" algn="ctr">
-              <a:buNone/>
-              <a:defRPr sz="2000"/>
+            <a:lvl2pPr marL="342892" indent="0" algn="ctr">
+              <a:buNone/>
+              <a:defRPr sz="1500"/>
             </a:lvl2pPr>
-            <a:lvl3pPr marL="914400" indent="0" algn="ctr">
-              <a:buNone/>
-              <a:defRPr sz="1800"/>
+            <a:lvl3pPr marL="685783" indent="0" algn="ctr">
+              <a:buNone/>
+              <a:defRPr sz="1350"/>
             </a:lvl3pPr>
-            <a:lvl4pPr marL="1371600" indent="0" algn="ctr">
-              <a:buNone/>
-              <a:defRPr sz="1600"/>
+            <a:lvl4pPr marL="1028675" indent="0" algn="ctr">
+              <a:buNone/>
+              <a:defRPr sz="1200"/>
             </a:lvl4pPr>
-            <a:lvl5pPr marL="1828800" indent="0" algn="ctr">
-              <a:buNone/>
-              <a:defRPr sz="1600"/>
+            <a:lvl5pPr marL="1371566" indent="0" algn="ctr">
+              <a:buNone/>
+              <a:defRPr sz="1200"/>
             </a:lvl5pPr>
-            <a:lvl6pPr marL="2286000" indent="0" algn="ctr">
-              <a:buNone/>
-              <a:defRPr sz="1600"/>
+            <a:lvl6pPr marL="1714457" indent="0" algn="ctr">
+              <a:buNone/>
+              <a:defRPr sz="1200"/>
             </a:lvl6pPr>
-            <a:lvl7pPr marL="2743200" indent="0" algn="ctr">
-              <a:buNone/>
-              <a:defRPr sz="1600"/>
+            <a:lvl7pPr marL="2057348" indent="0" algn="ctr">
+              <a:buNone/>
+              <a:defRPr sz="1200"/>
             </a:lvl7pPr>
-            <a:lvl8pPr marL="3200400" indent="0" algn="ctr">
-              <a:buNone/>
-              <a:defRPr sz="1600"/>
+            <a:lvl8pPr marL="2400240" indent="0" algn="ctr">
+              <a:buNone/>
+              <a:defRPr sz="1200"/>
             </a:lvl8pPr>
-            <a:lvl9pPr marL="3657600" indent="0" algn="ctr">
-              <a:buNone/>
-              <a:defRPr sz="1600"/>
+            <a:lvl9pPr marL="2743132" indent="0" algn="ctr">
+              <a:buNone/>
+              <a:defRPr sz="1200"/>
             </a:lvl9pPr>
           </a:lstStyle>
           <a:p>
@@ -838,7 +838,7 @@
           <a:p>
             <a:fld id="{D47972F1-FEF2-4633-9995-5759E4423898}" type="datetimeFigureOut">
               <a:rPr lang="en-CA" smtClean="0"/>
-              <a:t>2022-12-21</a:t>
+              <a:t>2025-07-25</a:t>
             </a:fld>
             <a:endParaRPr lang="en-CA"/>
           </a:p>
@@ -1038,7 +1038,7 @@
           <a:p>
             <a:fld id="{D47972F1-FEF2-4633-9995-5759E4423898}" type="datetimeFigureOut">
               <a:rPr lang="en-CA" smtClean="0"/>
-              <a:t>2022-12-21</a:t>
+              <a:t>2025-07-25</a:t>
             </a:fld>
             <a:endParaRPr lang="en-CA"/>
           </a:p>
@@ -1146,15 +1146,15 @@
         </p:nvSpPr>
         <p:spPr>
           <a:xfrm>
-            <a:off x="623888" y="1709738"/>
-            <a:ext cx="7886700" cy="2852737"/>
+            <a:off x="623888" y="1282305"/>
+            <a:ext cx="7886700" cy="2139553"/>
           </a:xfrm>
         </p:spPr>
         <p:txBody>
           <a:bodyPr anchor="b"/>
           <a:lstStyle>
             <a:lvl1pPr>
-              <a:defRPr sz="6000"/>
+              <a:defRPr sz="4500"/>
             </a:lvl1pPr>
           </a:lstStyle>
           <a:p>
@@ -1184,8 +1184,8 @@
         </p:nvSpPr>
         <p:spPr>
           <a:xfrm>
-            <a:off x="623888" y="4589463"/>
-            <a:ext cx="7886700" cy="1500187"/>
+            <a:off x="623888" y="3442099"/>
+            <a:ext cx="7886700" cy="1125140"/>
           </a:xfrm>
         </p:spPr>
         <p:txBody>
@@ -1193,7 +1193,7 @@
           <a:lstStyle>
             <a:lvl1pPr marL="0" indent="0">
               <a:buNone/>
-              <a:defRPr sz="2400">
+              <a:defRPr sz="1800">
                 <a:solidFill>
                   <a:schemeClr val="tx1">
                     <a:tint val="75000"/>
@@ -1201,9 +1201,9 @@
                 </a:solidFill>
               </a:defRPr>
             </a:lvl1pPr>
-            <a:lvl2pPr marL="457200" indent="0">
-              <a:buNone/>
-              <a:defRPr sz="2000">
+            <a:lvl2pPr marL="342892" indent="0">
+              <a:buNone/>
+              <a:defRPr sz="1500">
                 <a:solidFill>
                   <a:schemeClr val="tx1">
                     <a:tint val="75000"/>
@@ -1211,9 +1211,9 @@
                 </a:solidFill>
               </a:defRPr>
             </a:lvl2pPr>
-            <a:lvl3pPr marL="914400" indent="0">
-              <a:buNone/>
-              <a:defRPr sz="1800">
+            <a:lvl3pPr marL="685783" indent="0">
+              <a:buNone/>
+              <a:defRPr sz="1350">
                 <a:solidFill>
                   <a:schemeClr val="tx1">
                     <a:tint val="75000"/>
@@ -1221,9 +1221,9 @@
                 </a:solidFill>
               </a:defRPr>
             </a:lvl3pPr>
-            <a:lvl4pPr marL="1371600" indent="0">
-              <a:buNone/>
-              <a:defRPr sz="1600">
+            <a:lvl4pPr marL="1028675" indent="0">
+              <a:buNone/>
+              <a:defRPr sz="1200">
                 <a:solidFill>
                   <a:schemeClr val="tx1">
                     <a:tint val="75000"/>
@@ -1231,9 +1231,9 @@
                 </a:solidFill>
               </a:defRPr>
             </a:lvl4pPr>
-            <a:lvl5pPr marL="1828800" indent="0">
-              <a:buNone/>
-              <a:defRPr sz="1600">
+            <a:lvl5pPr marL="1371566" indent="0">
+              <a:buNone/>
+              <a:defRPr sz="1200">
                 <a:solidFill>
                   <a:schemeClr val="tx1">
                     <a:tint val="75000"/>
@@ -1241,9 +1241,9 @@
                 </a:solidFill>
               </a:defRPr>
             </a:lvl5pPr>
-            <a:lvl6pPr marL="2286000" indent="0">
-              <a:buNone/>
-              <a:defRPr sz="1600">
+            <a:lvl6pPr marL="1714457" indent="0">
+              <a:buNone/>
+              <a:defRPr sz="1200">
                 <a:solidFill>
                   <a:schemeClr val="tx1">
                     <a:tint val="75000"/>
@@ -1251,9 +1251,9 @@
                 </a:solidFill>
               </a:defRPr>
             </a:lvl6pPr>
-            <a:lvl7pPr marL="2743200" indent="0">
-              <a:buNone/>
-              <a:defRPr sz="1600">
+            <a:lvl7pPr marL="2057348" indent="0">
+              <a:buNone/>
+              <a:defRPr sz="1200">
                 <a:solidFill>
                   <a:schemeClr val="tx1">
                     <a:tint val="75000"/>
@@ -1261,9 +1261,9 @@
                 </a:solidFill>
               </a:defRPr>
             </a:lvl7pPr>
-            <a:lvl8pPr marL="3200400" indent="0">
-              <a:buNone/>
-              <a:defRPr sz="1600">
+            <a:lvl8pPr marL="2400240" indent="0">
+              <a:buNone/>
+              <a:defRPr sz="1200">
                 <a:solidFill>
                   <a:schemeClr val="tx1">
                     <a:tint val="75000"/>
@@ -1271,9 +1271,9 @@
                 </a:solidFill>
               </a:defRPr>
             </a:lvl8pPr>
-            <a:lvl9pPr marL="3657600" indent="0">
-              <a:buNone/>
-              <a:defRPr sz="1600">
+            <a:lvl9pPr marL="2743132" indent="0">
+              <a:buNone/>
+              <a:defRPr sz="1200">
                 <a:solidFill>
                   <a:schemeClr val="tx1">
                     <a:tint val="75000"/>
@@ -1314,7 +1314,7 @@
           <a:p>
             <a:fld id="{D47972F1-FEF2-4633-9995-5759E4423898}" type="datetimeFigureOut">
               <a:rPr lang="en-CA" smtClean="0"/>
-              <a:t>2022-12-21</a:t>
+              <a:t>2025-07-25</a:t>
             </a:fld>
             <a:endParaRPr lang="en-CA"/>
           </a:p>
@@ -1451,8 +1451,8 @@
         </p:nvSpPr>
         <p:spPr>
           <a:xfrm>
-            <a:off x="628650" y="1825625"/>
-            <a:ext cx="3867150" cy="4351338"/>
+            <a:off x="628650" y="1369219"/>
+            <a:ext cx="3867150" cy="3263504"/>
           </a:xfrm>
         </p:spPr>
         <p:txBody>
@@ -1514,8 +1514,8 @@
         </p:nvSpPr>
         <p:spPr>
           <a:xfrm>
-            <a:off x="4648200" y="1825625"/>
-            <a:ext cx="3867150" cy="4351338"/>
+            <a:off x="4648200" y="1369219"/>
+            <a:ext cx="3867150" cy="3263504"/>
           </a:xfrm>
         </p:spPr>
         <p:txBody>
@@ -1582,7 +1582,7 @@
           <a:p>
             <a:fld id="{D47972F1-FEF2-4633-9995-5759E4423898}" type="datetimeFigureOut">
               <a:rPr lang="en-CA" smtClean="0"/>
-              <a:t>2022-12-21</a:t>
+              <a:t>2025-07-25</a:t>
             </a:fld>
             <a:endParaRPr lang="en-CA"/>
           </a:p>
@@ -1690,8 +1690,8 @@
         </p:nvSpPr>
         <p:spPr>
           <a:xfrm>
-            <a:off x="630238" y="365125"/>
-            <a:ext cx="7886700" cy="1325563"/>
+            <a:off x="630238" y="273844"/>
+            <a:ext cx="7886700" cy="994172"/>
           </a:xfrm>
         </p:spPr>
         <p:txBody>
@@ -1724,8 +1724,8 @@
         </p:nvSpPr>
         <p:spPr>
           <a:xfrm>
-            <a:off x="630238" y="1681163"/>
-            <a:ext cx="3868737" cy="823912"/>
+            <a:off x="630241" y="1260872"/>
+            <a:ext cx="3868737" cy="617934"/>
           </a:xfrm>
         </p:spPr>
         <p:txBody>
@@ -1733,39 +1733,39 @@
           <a:lstStyle>
             <a:lvl1pPr marL="0" indent="0">
               <a:buNone/>
-              <a:defRPr sz="2400" b="1"/>
+              <a:defRPr sz="1800" b="1"/>
             </a:lvl1pPr>
-            <a:lvl2pPr marL="457200" indent="0">
-              <a:buNone/>
-              <a:defRPr sz="2000" b="1"/>
+            <a:lvl2pPr marL="342892" indent="0">
+              <a:buNone/>
+              <a:defRPr sz="1500" b="1"/>
             </a:lvl2pPr>
-            <a:lvl3pPr marL="914400" indent="0">
-              <a:buNone/>
-              <a:defRPr sz="1800" b="1"/>
+            <a:lvl3pPr marL="685783" indent="0">
+              <a:buNone/>
+              <a:defRPr sz="1350" b="1"/>
             </a:lvl3pPr>
-            <a:lvl4pPr marL="1371600" indent="0">
-              <a:buNone/>
-              <a:defRPr sz="1600" b="1"/>
+            <a:lvl4pPr marL="1028675" indent="0">
+              <a:buNone/>
+              <a:defRPr sz="1200" b="1"/>
             </a:lvl4pPr>
-            <a:lvl5pPr marL="1828800" indent="0">
-              <a:buNone/>
-              <a:defRPr sz="1600" b="1"/>
+            <a:lvl5pPr marL="1371566" indent="0">
+              <a:buNone/>
+              <a:defRPr sz="1200" b="1"/>
             </a:lvl5pPr>
-            <a:lvl6pPr marL="2286000" indent="0">
-              <a:buNone/>
-              <a:defRPr sz="1600" b="1"/>
+            <a:lvl6pPr marL="1714457" indent="0">
+              <a:buNone/>
+              <a:defRPr sz="1200" b="1"/>
             </a:lvl6pPr>
-            <a:lvl7pPr marL="2743200" indent="0">
-              <a:buNone/>
-              <a:defRPr sz="1600" b="1"/>
+            <a:lvl7pPr marL="2057348" indent="0">
+              <a:buNone/>
+              <a:defRPr sz="1200" b="1"/>
             </a:lvl7pPr>
-            <a:lvl8pPr marL="3200400" indent="0">
-              <a:buNone/>
-              <a:defRPr sz="1600" b="1"/>
+            <a:lvl8pPr marL="2400240" indent="0">
+              <a:buNone/>
+              <a:defRPr sz="1200" b="1"/>
             </a:lvl8pPr>
-            <a:lvl9pPr marL="3657600" indent="0">
-              <a:buNone/>
-              <a:defRPr sz="1600" b="1"/>
+            <a:lvl9pPr marL="2743132" indent="0">
+              <a:buNone/>
+              <a:defRPr sz="1200" b="1"/>
             </a:lvl9pPr>
           </a:lstStyle>
           <a:p>
@@ -1795,8 +1795,8 @@
         </p:nvSpPr>
         <p:spPr>
           <a:xfrm>
-            <a:off x="630238" y="2505075"/>
-            <a:ext cx="3868737" cy="3684588"/>
+            <a:off x="630241" y="1878806"/>
+            <a:ext cx="3868737" cy="2763441"/>
           </a:xfrm>
         </p:spPr>
         <p:txBody>
@@ -1858,8 +1858,8 @@
         </p:nvSpPr>
         <p:spPr>
           <a:xfrm>
-            <a:off x="4629150" y="1681163"/>
-            <a:ext cx="3887788" cy="823912"/>
+            <a:off x="4629150" y="1260872"/>
+            <a:ext cx="3887788" cy="617934"/>
           </a:xfrm>
         </p:spPr>
         <p:txBody>
@@ -1867,39 +1867,39 @@
           <a:lstStyle>
             <a:lvl1pPr marL="0" indent="0">
               <a:buNone/>
-              <a:defRPr sz="2400" b="1"/>
+              <a:defRPr sz="1800" b="1"/>
             </a:lvl1pPr>
-            <a:lvl2pPr marL="457200" indent="0">
-              <a:buNone/>
-              <a:defRPr sz="2000" b="1"/>
+            <a:lvl2pPr marL="342892" indent="0">
+              <a:buNone/>
+              <a:defRPr sz="1500" b="1"/>
             </a:lvl2pPr>
-            <a:lvl3pPr marL="914400" indent="0">
-              <a:buNone/>
-              <a:defRPr sz="1800" b="1"/>
+            <a:lvl3pPr marL="685783" indent="0">
+              <a:buNone/>
+              <a:defRPr sz="1350" b="1"/>
             </a:lvl3pPr>
-            <a:lvl4pPr marL="1371600" indent="0">
-              <a:buNone/>
-              <a:defRPr sz="1600" b="1"/>
+            <a:lvl4pPr marL="1028675" indent="0">
+              <a:buNone/>
+              <a:defRPr sz="1200" b="1"/>
             </a:lvl4pPr>
-            <a:lvl5pPr marL="1828800" indent="0">
-              <a:buNone/>
-              <a:defRPr sz="1600" b="1"/>
+            <a:lvl5pPr marL="1371566" indent="0">
+              <a:buNone/>
+              <a:defRPr sz="1200" b="1"/>
             </a:lvl5pPr>
-            <a:lvl6pPr marL="2286000" indent="0">
-              <a:buNone/>
-              <a:defRPr sz="1600" b="1"/>
+            <a:lvl6pPr marL="1714457" indent="0">
+              <a:buNone/>
+              <a:defRPr sz="1200" b="1"/>
             </a:lvl6pPr>
-            <a:lvl7pPr marL="2743200" indent="0">
-              <a:buNone/>
-              <a:defRPr sz="1600" b="1"/>
+            <a:lvl7pPr marL="2057348" indent="0">
+              <a:buNone/>
+              <a:defRPr sz="1200" b="1"/>
             </a:lvl7pPr>
-            <a:lvl8pPr marL="3200400" indent="0">
-              <a:buNone/>
-              <a:defRPr sz="1600" b="1"/>
+            <a:lvl8pPr marL="2400240" indent="0">
+              <a:buNone/>
+              <a:defRPr sz="1200" b="1"/>
             </a:lvl8pPr>
-            <a:lvl9pPr marL="3657600" indent="0">
-              <a:buNone/>
-              <a:defRPr sz="1600" b="1"/>
+            <a:lvl9pPr marL="2743132" indent="0">
+              <a:buNone/>
+              <a:defRPr sz="1200" b="1"/>
             </a:lvl9pPr>
           </a:lstStyle>
           <a:p>
@@ -1929,8 +1929,8 @@
         </p:nvSpPr>
         <p:spPr>
           <a:xfrm>
-            <a:off x="4629150" y="2505075"/>
-            <a:ext cx="3887788" cy="3684588"/>
+            <a:off x="4629150" y="1878806"/>
+            <a:ext cx="3887788" cy="2763441"/>
           </a:xfrm>
         </p:spPr>
         <p:txBody>
@@ -1997,7 +1997,7 @@
           <a:p>
             <a:fld id="{D47972F1-FEF2-4633-9995-5759E4423898}" type="datetimeFigureOut">
               <a:rPr lang="en-CA" smtClean="0"/>
-              <a:t>2022-12-21</a:t>
+              <a:t>2025-07-25</a:t>
             </a:fld>
             <a:endParaRPr lang="en-CA"/>
           </a:p>
@@ -2139,7 +2139,7 @@
           <a:p>
             <a:fld id="{D47972F1-FEF2-4633-9995-5759E4423898}" type="datetimeFigureOut">
               <a:rPr lang="en-CA" smtClean="0"/>
-              <a:t>2022-12-21</a:t>
+              <a:t>2025-07-25</a:t>
             </a:fld>
             <a:endParaRPr lang="en-CA"/>
           </a:p>
@@ -2252,7 +2252,7 @@
           <a:p>
             <a:fld id="{D47972F1-FEF2-4633-9995-5759E4423898}" type="datetimeFigureOut">
               <a:rPr lang="en-CA" smtClean="0"/>
-              <a:t>2022-12-21</a:t>
+              <a:t>2025-07-25</a:t>
             </a:fld>
             <a:endParaRPr lang="en-CA"/>
           </a:p>
@@ -2360,15 +2360,15 @@
         </p:nvSpPr>
         <p:spPr>
           <a:xfrm>
-            <a:off x="630238" y="457200"/>
-            <a:ext cx="2949575" cy="1600200"/>
+            <a:off x="630241" y="342900"/>
+            <a:ext cx="2949575" cy="1200150"/>
           </a:xfrm>
         </p:spPr>
         <p:txBody>
           <a:bodyPr anchor="b"/>
           <a:lstStyle>
             <a:lvl1pPr>
-              <a:defRPr sz="3200"/>
+              <a:defRPr sz="2400"/>
             </a:lvl1pPr>
           </a:lstStyle>
           <a:p>
@@ -2398,39 +2398,39 @@
         </p:nvSpPr>
         <p:spPr>
           <a:xfrm>
-            <a:off x="3887788" y="987425"/>
-            <a:ext cx="4629150" cy="4873625"/>
+            <a:off x="3887788" y="740570"/>
+            <a:ext cx="4629150" cy="3655219"/>
           </a:xfrm>
         </p:spPr>
         <p:txBody>
           <a:bodyPr/>
           <a:lstStyle>
             <a:lvl1pPr>
-              <a:defRPr sz="3200"/>
+              <a:defRPr sz="2400"/>
             </a:lvl1pPr>
             <a:lvl2pPr>
-              <a:defRPr sz="2800"/>
+              <a:defRPr sz="2100"/>
             </a:lvl2pPr>
             <a:lvl3pPr>
-              <a:defRPr sz="2400"/>
+              <a:defRPr sz="1800"/>
             </a:lvl3pPr>
             <a:lvl4pPr>
-              <a:defRPr sz="2000"/>
+              <a:defRPr sz="1500"/>
             </a:lvl4pPr>
             <a:lvl5pPr>
-              <a:defRPr sz="2000"/>
+              <a:defRPr sz="1500"/>
             </a:lvl5pPr>
             <a:lvl6pPr>
-              <a:defRPr sz="2000"/>
+              <a:defRPr sz="1500"/>
             </a:lvl6pPr>
             <a:lvl7pPr>
-              <a:defRPr sz="2000"/>
+              <a:defRPr sz="1500"/>
             </a:lvl7pPr>
             <a:lvl8pPr>
-              <a:defRPr sz="2000"/>
+              <a:defRPr sz="1500"/>
             </a:lvl8pPr>
             <a:lvl9pPr>
-              <a:defRPr sz="2000"/>
+              <a:defRPr sz="1500"/>
             </a:lvl9pPr>
           </a:lstStyle>
           <a:p>
@@ -2489,8 +2489,8 @@
         </p:nvSpPr>
         <p:spPr>
           <a:xfrm>
-            <a:off x="630238" y="2057400"/>
-            <a:ext cx="2949575" cy="3811588"/>
+            <a:off x="630241" y="1543051"/>
+            <a:ext cx="2949575" cy="2858691"/>
           </a:xfrm>
         </p:spPr>
         <p:txBody>
@@ -2498,39 +2498,39 @@
           <a:lstStyle>
             <a:lvl1pPr marL="0" indent="0">
               <a:buNone/>
-              <a:defRPr sz="1600"/>
+              <a:defRPr sz="1200"/>
             </a:lvl1pPr>
-            <a:lvl2pPr marL="457200" indent="0">
-              <a:buNone/>
-              <a:defRPr sz="1400"/>
+            <a:lvl2pPr marL="342892" indent="0">
+              <a:buNone/>
+              <a:defRPr sz="1050"/>
             </a:lvl2pPr>
-            <a:lvl3pPr marL="914400" indent="0">
-              <a:buNone/>
-              <a:defRPr sz="1200"/>
+            <a:lvl3pPr marL="685783" indent="0">
+              <a:buNone/>
+              <a:defRPr sz="900"/>
             </a:lvl3pPr>
-            <a:lvl4pPr marL="1371600" indent="0">
-              <a:buNone/>
-              <a:defRPr sz="1000"/>
+            <a:lvl4pPr marL="1028675" indent="0">
+              <a:buNone/>
+              <a:defRPr sz="750"/>
             </a:lvl4pPr>
-            <a:lvl5pPr marL="1828800" indent="0">
-              <a:buNone/>
-              <a:defRPr sz="1000"/>
+            <a:lvl5pPr marL="1371566" indent="0">
+              <a:buNone/>
+              <a:defRPr sz="750"/>
             </a:lvl5pPr>
-            <a:lvl6pPr marL="2286000" indent="0">
-              <a:buNone/>
-              <a:defRPr sz="1000"/>
+            <a:lvl6pPr marL="1714457" indent="0">
+              <a:buNone/>
+              <a:defRPr sz="750"/>
             </a:lvl6pPr>
-            <a:lvl7pPr marL="2743200" indent="0">
-              <a:buNone/>
-              <a:defRPr sz="1000"/>
+            <a:lvl7pPr marL="2057348" indent="0">
+              <a:buNone/>
+              <a:defRPr sz="750"/>
             </a:lvl7pPr>
-            <a:lvl8pPr marL="3200400" indent="0">
-              <a:buNone/>
-              <a:defRPr sz="1000"/>
+            <a:lvl8pPr marL="2400240" indent="0">
+              <a:buNone/>
+              <a:defRPr sz="750"/>
             </a:lvl8pPr>
-            <a:lvl9pPr marL="3657600" indent="0">
-              <a:buNone/>
-              <a:defRPr sz="1000"/>
+            <a:lvl9pPr marL="2743132" indent="0">
+              <a:buNone/>
+              <a:defRPr sz="750"/>
             </a:lvl9pPr>
           </a:lstStyle>
           <a:p>
@@ -2565,7 +2565,7 @@
           <a:p>
             <a:fld id="{D47972F1-FEF2-4633-9995-5759E4423898}" type="datetimeFigureOut">
               <a:rPr lang="en-CA" smtClean="0"/>
-              <a:t>2022-12-21</a:t>
+              <a:t>2025-07-25</a:t>
             </a:fld>
             <a:endParaRPr lang="en-CA"/>
           </a:p>
@@ -2673,15 +2673,15 @@
         </p:nvSpPr>
         <p:spPr>
           <a:xfrm>
-            <a:off x="630238" y="457200"/>
-            <a:ext cx="2949575" cy="1600200"/>
+            <a:off x="630241" y="342900"/>
+            <a:ext cx="2949575" cy="1200150"/>
           </a:xfrm>
         </p:spPr>
         <p:txBody>
           <a:bodyPr anchor="b"/>
           <a:lstStyle>
             <a:lvl1pPr>
-              <a:defRPr sz="3200"/>
+              <a:defRPr sz="2400"/>
             </a:lvl1pPr>
           </a:lstStyle>
           <a:p>
@@ -2711,8 +2711,8 @@
         </p:nvSpPr>
         <p:spPr>
           <a:xfrm>
-            <a:off x="3887788" y="987425"/>
-            <a:ext cx="4629150" cy="4873625"/>
+            <a:off x="3887788" y="740570"/>
+            <a:ext cx="4629150" cy="3655219"/>
           </a:xfrm>
         </p:spPr>
         <p:txBody>
@@ -2720,39 +2720,39 @@
           <a:lstStyle>
             <a:lvl1pPr marL="0" indent="0">
               <a:buNone/>
-              <a:defRPr sz="3200"/>
+              <a:defRPr sz="2400"/>
             </a:lvl1pPr>
-            <a:lvl2pPr marL="457200" indent="0">
-              <a:buNone/>
-              <a:defRPr sz="2800"/>
+            <a:lvl2pPr marL="342892" indent="0">
+              <a:buNone/>
+              <a:defRPr sz="2100"/>
             </a:lvl2pPr>
-            <a:lvl3pPr marL="914400" indent="0">
-              <a:buNone/>
-              <a:defRPr sz="2400"/>
+            <a:lvl3pPr marL="685783" indent="0">
+              <a:buNone/>
+              <a:defRPr sz="1800"/>
             </a:lvl3pPr>
-            <a:lvl4pPr marL="1371600" indent="0">
-              <a:buNone/>
-              <a:defRPr sz="2000"/>
+            <a:lvl4pPr marL="1028675" indent="0">
+              <a:buNone/>
+              <a:defRPr sz="1500"/>
             </a:lvl4pPr>
-            <a:lvl5pPr marL="1828800" indent="0">
-              <a:buNone/>
-              <a:defRPr sz="2000"/>
+            <a:lvl5pPr marL="1371566" indent="0">
+              <a:buNone/>
+              <a:defRPr sz="1500"/>
             </a:lvl5pPr>
-            <a:lvl6pPr marL="2286000" indent="0">
-              <a:buNone/>
-              <a:defRPr sz="2000"/>
+            <a:lvl6pPr marL="1714457" indent="0">
+              <a:buNone/>
+              <a:defRPr sz="1500"/>
             </a:lvl6pPr>
-            <a:lvl7pPr marL="2743200" indent="0">
-              <a:buNone/>
-              <a:defRPr sz="2000"/>
+            <a:lvl7pPr marL="2057348" indent="0">
+              <a:buNone/>
+              <a:defRPr sz="1500"/>
             </a:lvl7pPr>
-            <a:lvl8pPr marL="3200400" indent="0">
-              <a:buNone/>
-              <a:defRPr sz="2000"/>
+            <a:lvl8pPr marL="2400240" indent="0">
+              <a:buNone/>
+              <a:defRPr sz="1500"/>
             </a:lvl8pPr>
-            <a:lvl9pPr marL="3657600" indent="0">
-              <a:buNone/>
-              <a:defRPr sz="2000"/>
+            <a:lvl9pPr marL="2743132" indent="0">
+              <a:buNone/>
+              <a:defRPr sz="1500"/>
             </a:lvl9pPr>
           </a:lstStyle>
           <a:p>
@@ -2778,8 +2778,8 @@
         </p:nvSpPr>
         <p:spPr>
           <a:xfrm>
-            <a:off x="630238" y="2057400"/>
-            <a:ext cx="2949575" cy="3811588"/>
+            <a:off x="630241" y="1543051"/>
+            <a:ext cx="2949575" cy="2858691"/>
           </a:xfrm>
         </p:spPr>
         <p:txBody>
@@ -2787,39 +2787,39 @@
           <a:lstStyle>
             <a:lvl1pPr marL="0" indent="0">
               <a:buNone/>
-              <a:defRPr sz="1600"/>
+              <a:defRPr sz="1200"/>
             </a:lvl1pPr>
-            <a:lvl2pPr marL="457200" indent="0">
-              <a:buNone/>
-              <a:defRPr sz="1400"/>
+            <a:lvl2pPr marL="342892" indent="0">
+              <a:buNone/>
+              <a:defRPr sz="1050"/>
             </a:lvl2pPr>
-            <a:lvl3pPr marL="914400" indent="0">
-              <a:buNone/>
-              <a:defRPr sz="1200"/>
+            <a:lvl3pPr marL="685783" indent="0">
+              <a:buNone/>
+              <a:defRPr sz="900"/>
             </a:lvl3pPr>
-            <a:lvl4pPr marL="1371600" indent="0">
-              <a:buNone/>
-              <a:defRPr sz="1000"/>
+            <a:lvl4pPr marL="1028675" indent="0">
+              <a:buNone/>
+              <a:defRPr sz="750"/>
             </a:lvl4pPr>
-            <a:lvl5pPr marL="1828800" indent="0">
-              <a:buNone/>
-              <a:defRPr sz="1000"/>
+            <a:lvl5pPr marL="1371566" indent="0">
+              <a:buNone/>
+              <a:defRPr sz="750"/>
             </a:lvl5pPr>
-            <a:lvl6pPr marL="2286000" indent="0">
-              <a:buNone/>
-              <a:defRPr sz="1000"/>
+            <a:lvl6pPr marL="1714457" indent="0">
+              <a:buNone/>
+              <a:defRPr sz="750"/>
             </a:lvl6pPr>
-            <a:lvl7pPr marL="2743200" indent="0">
-              <a:buNone/>
-              <a:defRPr sz="1000"/>
+            <a:lvl7pPr marL="2057348" indent="0">
+              <a:buNone/>
+              <a:defRPr sz="750"/>
             </a:lvl7pPr>
-            <a:lvl8pPr marL="3200400" indent="0">
-              <a:buNone/>
-              <a:defRPr sz="1000"/>
+            <a:lvl8pPr marL="2400240" indent="0">
+              <a:buNone/>
+              <a:defRPr sz="750"/>
             </a:lvl8pPr>
-            <a:lvl9pPr marL="3657600" indent="0">
-              <a:buNone/>
-              <a:defRPr sz="1000"/>
+            <a:lvl9pPr marL="2743132" indent="0">
+              <a:buNone/>
+              <a:defRPr sz="750"/>
             </a:lvl9pPr>
           </a:lstStyle>
           <a:p>
@@ -2854,7 +2854,7 @@
           <a:p>
             <a:fld id="{D47972F1-FEF2-4633-9995-5759E4423898}" type="datetimeFigureOut">
               <a:rPr lang="en-CA" smtClean="0"/>
-              <a:t>2022-12-21</a:t>
+              <a:t>2025-07-25</a:t>
             </a:fld>
             <a:endParaRPr lang="en-CA"/>
           </a:p>
@@ -2956,8 +2956,8 @@
         </p:nvSpPr>
         <p:spPr>
           <a:xfrm>
-            <a:off x="838200" y="1143000"/>
-            <a:ext cx="7467600" cy="1143000"/>
+            <a:off x="838200" y="857250"/>
+            <a:ext cx="7467600" cy="857250"/>
           </a:xfrm>
         </p:spPr>
         <p:txBody>
@@ -2984,8 +2984,8 @@
         </p:nvSpPr>
         <p:spPr>
           <a:xfrm>
-            <a:off x="838200" y="2590800"/>
-            <a:ext cx="7467600" cy="3552844"/>
+            <a:off x="838200" y="1943101"/>
+            <a:ext cx="7467600" cy="2664633"/>
           </a:xfrm>
         </p:spPr>
         <p:txBody>
@@ -3169,7 +3169,7 @@
           <a:p>
             <a:fld id="{D47972F1-FEF2-4633-9995-5759E4423898}" type="datetimeFigureOut">
               <a:rPr lang="en-CA" smtClean="0"/>
-              <a:t>2022-12-21</a:t>
+              <a:t>2025-07-25</a:t>
             </a:fld>
             <a:endParaRPr lang="en-CA"/>
           </a:p>
@@ -3277,8 +3277,8 @@
         </p:nvSpPr>
         <p:spPr>
           <a:xfrm>
-            <a:off x="6543675" y="365125"/>
-            <a:ext cx="1971675" cy="5811838"/>
+            <a:off x="6543676" y="273845"/>
+            <a:ext cx="1971675" cy="4358879"/>
           </a:xfrm>
         </p:spPr>
         <p:txBody>
@@ -3311,8 +3311,8 @@
         </p:nvSpPr>
         <p:spPr>
           <a:xfrm>
-            <a:off x="628650" y="365125"/>
-            <a:ext cx="5762625" cy="5811838"/>
+            <a:off x="628653" y="273845"/>
+            <a:ext cx="5762625" cy="4358879"/>
           </a:xfrm>
         </p:spPr>
         <p:txBody>
@@ -3379,7 +3379,7 @@
           <a:p>
             <a:fld id="{D47972F1-FEF2-4633-9995-5759E4423898}" type="datetimeFigureOut">
               <a:rPr lang="en-CA" smtClean="0"/>
-              <a:t>2022-12-21</a:t>
+              <a:t>2025-07-25</a:t>
             </a:fld>
             <a:endParaRPr lang="en-CA"/>
           </a:p>
@@ -3481,8 +3481,8 @@
         </p:nvSpPr>
         <p:spPr>
           <a:xfrm>
-            <a:off x="838200" y="1143000"/>
-            <a:ext cx="7467600" cy="1143000"/>
+            <a:off x="838200" y="857250"/>
+            <a:ext cx="7467600" cy="857250"/>
           </a:xfrm>
         </p:spPr>
         <p:txBody>
@@ -3509,39 +3509,39 @@
         </p:nvSpPr>
         <p:spPr>
           <a:xfrm>
-            <a:off x="838200" y="2395550"/>
-            <a:ext cx="3657600" cy="3748094"/>
+            <a:off x="838200" y="1796663"/>
+            <a:ext cx="3657600" cy="2811071"/>
           </a:xfrm>
         </p:spPr>
         <p:txBody>
           <a:bodyPr/>
           <a:lstStyle>
             <a:lvl1pPr>
-              <a:defRPr sz="2200"/>
+              <a:defRPr sz="1650"/>
             </a:lvl1pPr>
             <a:lvl2pPr>
-              <a:defRPr sz="2000"/>
+              <a:defRPr sz="1500"/>
             </a:lvl2pPr>
             <a:lvl3pPr>
-              <a:defRPr sz="1800"/>
+              <a:defRPr sz="1350"/>
             </a:lvl3pPr>
             <a:lvl4pPr>
-              <a:defRPr sz="1600"/>
+              <a:defRPr sz="1200"/>
             </a:lvl4pPr>
             <a:lvl5pPr>
-              <a:defRPr sz="1400"/>
+              <a:defRPr sz="1050"/>
             </a:lvl5pPr>
             <a:lvl6pPr>
-              <a:defRPr sz="1800"/>
+              <a:defRPr sz="1350"/>
             </a:lvl6pPr>
             <a:lvl7pPr>
-              <a:defRPr sz="1800"/>
+              <a:defRPr sz="1350"/>
             </a:lvl7pPr>
             <a:lvl8pPr>
-              <a:defRPr sz="1800"/>
+              <a:defRPr sz="1350"/>
             </a:lvl8pPr>
             <a:lvl9pPr>
-              <a:defRPr sz="1800"/>
+              <a:defRPr sz="1350"/>
             </a:lvl9pPr>
           </a:lstStyle>
           <a:p>
@@ -3594,39 +3594,39 @@
         </p:nvSpPr>
         <p:spPr>
           <a:xfrm>
-            <a:off x="4648200" y="2395550"/>
-            <a:ext cx="3657600" cy="3748094"/>
+            <a:off x="4648200" y="1796663"/>
+            <a:ext cx="3657600" cy="2811071"/>
           </a:xfrm>
         </p:spPr>
         <p:txBody>
           <a:bodyPr/>
           <a:lstStyle>
             <a:lvl1pPr>
-              <a:defRPr sz="2200"/>
+              <a:defRPr sz="1650"/>
             </a:lvl1pPr>
             <a:lvl2pPr>
-              <a:defRPr sz="2000"/>
+              <a:defRPr sz="1500"/>
             </a:lvl2pPr>
             <a:lvl3pPr>
-              <a:defRPr sz="1800"/>
+              <a:defRPr sz="1350"/>
             </a:lvl3pPr>
             <a:lvl4pPr>
-              <a:defRPr sz="1600"/>
+              <a:defRPr sz="1200"/>
             </a:lvl4pPr>
             <a:lvl5pPr>
-              <a:defRPr sz="1400"/>
+              <a:defRPr sz="1050"/>
             </a:lvl5pPr>
             <a:lvl6pPr>
-              <a:defRPr sz="1800"/>
+              <a:defRPr sz="1350"/>
             </a:lvl6pPr>
             <a:lvl7pPr>
-              <a:defRPr sz="1800"/>
+              <a:defRPr sz="1350"/>
             </a:lvl7pPr>
             <a:lvl8pPr>
-              <a:defRPr sz="1800"/>
+              <a:defRPr sz="1350"/>
             </a:lvl8pPr>
             <a:lvl9pPr>
-              <a:defRPr sz="1800"/>
+              <a:defRPr sz="1350"/>
             </a:lvl9pPr>
           </a:lstStyle>
           <a:p>
@@ -3709,8 +3709,8 @@
         </p:nvSpPr>
         <p:spPr>
           <a:xfrm>
-            <a:off x="457200" y="1131894"/>
-            <a:ext cx="8229600" cy="1143000"/>
+            <a:off x="457200" y="848921"/>
+            <a:ext cx="8229600" cy="857250"/>
           </a:xfrm>
         </p:spPr>
         <p:txBody>
@@ -3741,8 +3741,8 @@
         </p:nvSpPr>
         <p:spPr>
           <a:xfrm>
-            <a:off x="457200" y="2392369"/>
-            <a:ext cx="4040188" cy="639762"/>
+            <a:off x="457200" y="1794277"/>
+            <a:ext cx="4040188" cy="479822"/>
           </a:xfrm>
         </p:spPr>
         <p:txBody>
@@ -3750,39 +3750,39 @@
           <a:lstStyle>
             <a:lvl1pPr marL="0" indent="0">
               <a:buNone/>
-              <a:defRPr sz="2200" b="1"/>
+              <a:defRPr sz="1650" b="1"/>
             </a:lvl1pPr>
-            <a:lvl2pPr marL="457200" indent="0">
-              <a:buNone/>
-              <a:defRPr sz="2000" b="1"/>
+            <a:lvl2pPr marL="342892" indent="0">
+              <a:buNone/>
+              <a:defRPr sz="1500" b="1"/>
             </a:lvl2pPr>
-            <a:lvl3pPr marL="914400" indent="0">
-              <a:buNone/>
-              <a:defRPr sz="1800" b="1"/>
+            <a:lvl3pPr marL="685783" indent="0">
+              <a:buNone/>
+              <a:defRPr sz="1350" b="1"/>
             </a:lvl3pPr>
-            <a:lvl4pPr marL="1371600" indent="0">
-              <a:buNone/>
-              <a:defRPr sz="1600" b="1"/>
+            <a:lvl4pPr marL="1028675" indent="0">
+              <a:buNone/>
+              <a:defRPr sz="1200" b="1"/>
             </a:lvl4pPr>
-            <a:lvl5pPr marL="1828800" indent="0">
-              <a:buNone/>
-              <a:defRPr sz="1600" b="1"/>
+            <a:lvl5pPr marL="1371566" indent="0">
+              <a:buNone/>
+              <a:defRPr sz="1200" b="1"/>
             </a:lvl5pPr>
-            <a:lvl6pPr marL="2286000" indent="0">
-              <a:buNone/>
-              <a:defRPr sz="1600" b="1"/>
+            <a:lvl6pPr marL="1714457" indent="0">
+              <a:buNone/>
+              <a:defRPr sz="1200" b="1"/>
             </a:lvl6pPr>
-            <a:lvl7pPr marL="2743200" indent="0">
-              <a:buNone/>
-              <a:defRPr sz="1600" b="1"/>
+            <a:lvl7pPr marL="2057348" indent="0">
+              <a:buNone/>
+              <a:defRPr sz="1200" b="1"/>
             </a:lvl7pPr>
-            <a:lvl8pPr marL="3200400" indent="0">
-              <a:buNone/>
-              <a:defRPr sz="1600" b="1"/>
+            <a:lvl8pPr marL="2400240" indent="0">
+              <a:buNone/>
+              <a:defRPr sz="1200" b="1"/>
             </a:lvl8pPr>
-            <a:lvl9pPr marL="3657600" indent="0">
-              <a:buNone/>
-              <a:defRPr sz="1600" b="1"/>
+            <a:lvl9pPr marL="2743132" indent="0">
+              <a:buNone/>
+              <a:defRPr sz="1200" b="1"/>
             </a:lvl9pPr>
           </a:lstStyle>
           <a:p>
@@ -3806,39 +3806,39 @@
         </p:nvSpPr>
         <p:spPr>
           <a:xfrm>
-            <a:off x="457200" y="3032131"/>
-            <a:ext cx="4040188" cy="3325827"/>
+            <a:off x="457200" y="2274100"/>
+            <a:ext cx="4040188" cy="2494370"/>
           </a:xfrm>
         </p:spPr>
         <p:txBody>
           <a:bodyPr/>
           <a:lstStyle>
             <a:lvl1pPr>
-              <a:defRPr sz="2200"/>
+              <a:defRPr sz="1650"/>
             </a:lvl1pPr>
             <a:lvl2pPr>
-              <a:defRPr sz="2000"/>
+              <a:defRPr sz="1500"/>
             </a:lvl2pPr>
             <a:lvl3pPr>
-              <a:defRPr sz="1800"/>
+              <a:defRPr sz="1350"/>
             </a:lvl3pPr>
             <a:lvl4pPr>
-              <a:defRPr sz="1600"/>
+              <a:defRPr sz="1200"/>
             </a:lvl4pPr>
             <a:lvl5pPr>
-              <a:defRPr sz="1400"/>
+              <a:defRPr sz="1050"/>
             </a:lvl5pPr>
             <a:lvl6pPr>
-              <a:defRPr sz="1600"/>
+              <a:defRPr sz="1200"/>
             </a:lvl6pPr>
             <a:lvl7pPr>
-              <a:defRPr sz="1600"/>
+              <a:defRPr sz="1200"/>
             </a:lvl7pPr>
             <a:lvl8pPr>
-              <a:defRPr sz="1600"/>
+              <a:defRPr sz="1200"/>
             </a:lvl8pPr>
             <a:lvl9pPr>
-              <a:defRPr sz="1600"/>
+              <a:defRPr sz="1200"/>
             </a:lvl9pPr>
           </a:lstStyle>
           <a:p>
@@ -3891,8 +3891,8 @@
         </p:nvSpPr>
         <p:spPr>
           <a:xfrm>
-            <a:off x="4645025" y="2392369"/>
-            <a:ext cx="4041775" cy="639762"/>
+            <a:off x="4645028" y="1794277"/>
+            <a:ext cx="4041775" cy="479822"/>
           </a:xfrm>
         </p:spPr>
         <p:txBody>
@@ -3900,39 +3900,39 @@
           <a:lstStyle>
             <a:lvl1pPr marL="0" indent="0">
               <a:buNone/>
-              <a:defRPr sz="2200" b="1"/>
+              <a:defRPr sz="1650" b="1"/>
             </a:lvl1pPr>
-            <a:lvl2pPr marL="457200" indent="0">
-              <a:buNone/>
-              <a:defRPr sz="2000" b="1"/>
+            <a:lvl2pPr marL="342892" indent="0">
+              <a:buNone/>
+              <a:defRPr sz="1500" b="1"/>
             </a:lvl2pPr>
-            <a:lvl3pPr marL="914400" indent="0">
-              <a:buNone/>
-              <a:defRPr sz="1800" b="1"/>
+            <a:lvl3pPr marL="685783" indent="0">
+              <a:buNone/>
+              <a:defRPr sz="1350" b="1"/>
             </a:lvl3pPr>
-            <a:lvl4pPr marL="1371600" indent="0">
-              <a:buNone/>
-              <a:defRPr sz="1600" b="1"/>
+            <a:lvl4pPr marL="1028675" indent="0">
+              <a:buNone/>
+              <a:defRPr sz="1200" b="1"/>
             </a:lvl4pPr>
-            <a:lvl5pPr marL="1828800" indent="0">
-              <a:buNone/>
-              <a:defRPr sz="1600" b="1"/>
+            <a:lvl5pPr marL="1371566" indent="0">
+              <a:buNone/>
+              <a:defRPr sz="1200" b="1"/>
             </a:lvl5pPr>
-            <a:lvl6pPr marL="2286000" indent="0">
-              <a:buNone/>
-              <a:defRPr sz="1600" b="1"/>
+            <a:lvl6pPr marL="1714457" indent="0">
+              <a:buNone/>
+              <a:defRPr sz="1200" b="1"/>
             </a:lvl6pPr>
-            <a:lvl7pPr marL="2743200" indent="0">
-              <a:buNone/>
-              <a:defRPr sz="1600" b="1"/>
+            <a:lvl7pPr marL="2057348" indent="0">
+              <a:buNone/>
+              <a:defRPr sz="1200" b="1"/>
             </a:lvl7pPr>
-            <a:lvl8pPr marL="3200400" indent="0">
-              <a:buNone/>
-              <a:defRPr sz="1600" b="1"/>
+            <a:lvl8pPr marL="2400240" indent="0">
+              <a:buNone/>
+              <a:defRPr sz="1200" b="1"/>
             </a:lvl8pPr>
-            <a:lvl9pPr marL="3657600" indent="0">
-              <a:buNone/>
-              <a:defRPr sz="1600" b="1"/>
+            <a:lvl9pPr marL="2743132" indent="0">
+              <a:buNone/>
+              <a:defRPr sz="1200" b="1"/>
             </a:lvl9pPr>
           </a:lstStyle>
           <a:p>
@@ -3956,39 +3956,39 @@
         </p:nvSpPr>
         <p:spPr>
           <a:xfrm>
-            <a:off x="4645025" y="3032131"/>
-            <a:ext cx="4041775" cy="3325827"/>
+            <a:off x="4645028" y="2274100"/>
+            <a:ext cx="4041775" cy="2494370"/>
           </a:xfrm>
         </p:spPr>
         <p:txBody>
           <a:bodyPr/>
           <a:lstStyle>
             <a:lvl1pPr>
-              <a:defRPr sz="2200"/>
+              <a:defRPr sz="1650"/>
             </a:lvl1pPr>
             <a:lvl2pPr>
-              <a:defRPr sz="2000"/>
+              <a:defRPr sz="1500"/>
             </a:lvl2pPr>
             <a:lvl3pPr>
-              <a:defRPr sz="1800"/>
+              <a:defRPr sz="1350"/>
             </a:lvl3pPr>
             <a:lvl4pPr>
-              <a:defRPr sz="1600"/>
+              <a:defRPr sz="1200"/>
             </a:lvl4pPr>
             <a:lvl5pPr>
-              <a:defRPr sz="1400"/>
+              <a:defRPr sz="1050"/>
             </a:lvl5pPr>
             <a:lvl6pPr>
-              <a:defRPr sz="1600"/>
+              <a:defRPr sz="1200"/>
             </a:lvl6pPr>
             <a:lvl7pPr>
-              <a:defRPr sz="1600"/>
+              <a:defRPr sz="1200"/>
             </a:lvl7pPr>
             <a:lvl8pPr>
-              <a:defRPr sz="1600"/>
+              <a:defRPr sz="1200"/>
             </a:lvl8pPr>
             <a:lvl9pPr>
-              <a:defRPr sz="1600"/>
+              <a:defRPr sz="1200"/>
             </a:lvl9pPr>
           </a:lstStyle>
           <a:p>
@@ -4153,15 +4153,15 @@
         </p:nvSpPr>
         <p:spPr>
           <a:xfrm>
-            <a:off x="457200" y="1004911"/>
-            <a:ext cx="3008313" cy="1162050"/>
+            <a:off x="457203" y="753684"/>
+            <a:ext cx="3008313" cy="871538"/>
           </a:xfrm>
         </p:spPr>
         <p:txBody>
           <a:bodyPr anchor="b"/>
           <a:lstStyle>
             <a:lvl1pPr algn="l">
-              <a:defRPr sz="2000" b="1"/>
+              <a:defRPr sz="1500" b="1"/>
             </a:lvl1pPr>
           </a:lstStyle>
           <a:p>
@@ -4185,39 +4185,39 @@
         </p:nvSpPr>
         <p:spPr>
           <a:xfrm>
-            <a:off x="3575050" y="1000108"/>
-            <a:ext cx="5111750" cy="5286412"/>
+            <a:off x="3575050" y="750082"/>
+            <a:ext cx="5111750" cy="3964809"/>
           </a:xfrm>
         </p:spPr>
         <p:txBody>
           <a:bodyPr/>
           <a:lstStyle>
             <a:lvl1pPr>
-              <a:defRPr sz="2000"/>
+              <a:defRPr sz="1500"/>
             </a:lvl1pPr>
             <a:lvl2pPr>
-              <a:defRPr sz="1800"/>
+              <a:defRPr sz="1350"/>
             </a:lvl2pPr>
             <a:lvl3pPr>
-              <a:defRPr sz="1600"/>
+              <a:defRPr sz="1200"/>
             </a:lvl3pPr>
             <a:lvl4pPr>
-              <a:defRPr sz="1400"/>
+              <a:defRPr sz="1050"/>
             </a:lvl4pPr>
             <a:lvl5pPr>
-              <a:defRPr sz="1400"/>
+              <a:defRPr sz="1050"/>
             </a:lvl5pPr>
             <a:lvl6pPr>
-              <a:defRPr sz="2000"/>
+              <a:defRPr sz="1500"/>
             </a:lvl6pPr>
             <a:lvl7pPr>
-              <a:defRPr sz="2000"/>
+              <a:defRPr sz="1500"/>
             </a:lvl7pPr>
             <a:lvl8pPr>
-              <a:defRPr sz="2000"/>
+              <a:defRPr sz="1500"/>
             </a:lvl8pPr>
             <a:lvl9pPr>
-              <a:defRPr sz="2000"/>
+              <a:defRPr sz="1500"/>
             </a:lvl9pPr>
           </a:lstStyle>
           <a:p>
@@ -4270,8 +4270,8 @@
         </p:nvSpPr>
         <p:spPr>
           <a:xfrm>
-            <a:off x="457200" y="2166961"/>
-            <a:ext cx="3008313" cy="4119559"/>
+            <a:off x="457203" y="1625222"/>
+            <a:ext cx="3008313" cy="3089669"/>
           </a:xfrm>
         </p:spPr>
         <p:txBody>
@@ -4279,39 +4279,39 @@
           <a:lstStyle>
             <a:lvl1pPr marL="0" indent="0">
               <a:buNone/>
-              <a:defRPr sz="1400"/>
+              <a:defRPr sz="1050"/>
             </a:lvl1pPr>
-            <a:lvl2pPr marL="457200" indent="0">
-              <a:buNone/>
-              <a:defRPr sz="1200"/>
+            <a:lvl2pPr marL="342892" indent="0">
+              <a:buNone/>
+              <a:defRPr sz="900"/>
             </a:lvl2pPr>
-            <a:lvl3pPr marL="914400" indent="0">
-              <a:buNone/>
-              <a:defRPr sz="1000"/>
+            <a:lvl3pPr marL="685783" indent="0">
+              <a:buNone/>
+              <a:defRPr sz="750"/>
             </a:lvl3pPr>
-            <a:lvl4pPr marL="1371600" indent="0">
-              <a:buNone/>
-              <a:defRPr sz="900"/>
+            <a:lvl4pPr marL="1028675" indent="0">
+              <a:buNone/>
+              <a:defRPr sz="675"/>
             </a:lvl4pPr>
-            <a:lvl5pPr marL="1828800" indent="0">
-              <a:buNone/>
-              <a:defRPr sz="900"/>
+            <a:lvl5pPr marL="1371566" indent="0">
+              <a:buNone/>
+              <a:defRPr sz="675"/>
             </a:lvl5pPr>
-            <a:lvl6pPr marL="2286000" indent="0">
-              <a:buNone/>
-              <a:defRPr sz="900"/>
+            <a:lvl6pPr marL="1714457" indent="0">
+              <a:buNone/>
+              <a:defRPr sz="675"/>
             </a:lvl6pPr>
-            <a:lvl7pPr marL="2743200" indent="0">
-              <a:buNone/>
-              <a:defRPr sz="900"/>
+            <a:lvl7pPr marL="2057348" indent="0">
+              <a:buNone/>
+              <a:defRPr sz="675"/>
             </a:lvl7pPr>
-            <a:lvl8pPr marL="3200400" indent="0">
-              <a:buNone/>
-              <a:defRPr sz="900"/>
+            <a:lvl8pPr marL="2400240" indent="0">
+              <a:buNone/>
+              <a:defRPr sz="675"/>
             </a:lvl8pPr>
-            <a:lvl9pPr marL="3657600" indent="0">
-              <a:buNone/>
-              <a:defRPr sz="900"/>
+            <a:lvl9pPr marL="2743132" indent="0">
+              <a:buNone/>
+              <a:defRPr sz="675"/>
             </a:lvl9pPr>
           </a:lstStyle>
           <a:p>
@@ -4387,8 +4387,8 @@
         </p:nvSpPr>
         <p:spPr>
           <a:xfrm>
-            <a:off x="838200" y="2590800"/>
-            <a:ext cx="7467600" cy="3552825"/>
+            <a:off x="838200" y="1943101"/>
+            <a:ext cx="7467600" cy="2664619"/>
           </a:xfrm>
         </p:spPr>
         <p:txBody>
@@ -4445,15 +4445,15 @@
         </p:nvSpPr>
         <p:spPr>
           <a:xfrm>
-            <a:off x="1792288" y="4800600"/>
-            <a:ext cx="5486400" cy="566738"/>
+            <a:off x="1792288" y="3600451"/>
+            <a:ext cx="5486400" cy="425054"/>
           </a:xfrm>
         </p:spPr>
         <p:txBody>
           <a:bodyPr anchor="b"/>
           <a:lstStyle>
             <a:lvl1pPr algn="l">
-              <a:defRPr sz="2000" b="1"/>
+              <a:defRPr sz="1500" b="1"/>
             </a:lvl1pPr>
           </a:lstStyle>
           <a:p>
@@ -4477,8 +4477,8 @@
         </p:nvSpPr>
         <p:spPr>
           <a:xfrm>
-            <a:off x="1792288" y="1142983"/>
-            <a:ext cx="5486400" cy="3584591"/>
+            <a:off x="1792288" y="857239"/>
+            <a:ext cx="5486400" cy="2688443"/>
           </a:xfrm>
         </p:spPr>
         <p:txBody>
@@ -4488,39 +4488,39 @@
           <a:lstStyle>
             <a:lvl1pPr marL="0" indent="0">
               <a:buNone/>
-              <a:defRPr sz="3200"/>
+              <a:defRPr sz="2400"/>
             </a:lvl1pPr>
-            <a:lvl2pPr marL="457200" indent="0">
-              <a:buNone/>
-              <a:defRPr sz="2800"/>
+            <a:lvl2pPr marL="342892" indent="0">
+              <a:buNone/>
+              <a:defRPr sz="2100"/>
             </a:lvl2pPr>
-            <a:lvl3pPr marL="914400" indent="0">
-              <a:buNone/>
-              <a:defRPr sz="2400"/>
+            <a:lvl3pPr marL="685783" indent="0">
+              <a:buNone/>
+              <a:defRPr sz="1800"/>
             </a:lvl3pPr>
-            <a:lvl4pPr marL="1371600" indent="0">
-              <a:buNone/>
-              <a:defRPr sz="2000"/>
+            <a:lvl4pPr marL="1028675" indent="0">
+              <a:buNone/>
+              <a:defRPr sz="1500"/>
             </a:lvl4pPr>
-            <a:lvl5pPr marL="1828800" indent="0">
-              <a:buNone/>
-              <a:defRPr sz="2000"/>
+            <a:lvl5pPr marL="1371566" indent="0">
+              <a:buNone/>
+              <a:defRPr sz="1500"/>
             </a:lvl5pPr>
-            <a:lvl6pPr marL="2286000" indent="0">
-              <a:buNone/>
-              <a:defRPr sz="2000"/>
+            <a:lvl6pPr marL="1714457" indent="0">
+              <a:buNone/>
+              <a:defRPr sz="1500"/>
             </a:lvl6pPr>
-            <a:lvl7pPr marL="2743200" indent="0">
-              <a:buNone/>
-              <a:defRPr sz="2000"/>
+            <a:lvl7pPr marL="2057348" indent="0">
+              <a:buNone/>
+              <a:defRPr sz="1500"/>
             </a:lvl7pPr>
-            <a:lvl8pPr marL="3200400" indent="0">
-              <a:buNone/>
-              <a:defRPr sz="2000"/>
+            <a:lvl8pPr marL="2400240" indent="0">
+              <a:buNone/>
+              <a:defRPr sz="1500"/>
             </a:lvl8pPr>
-            <a:lvl9pPr marL="3657600" indent="0">
-              <a:buNone/>
-              <a:defRPr sz="2000"/>
+            <a:lvl9pPr marL="2743132" indent="0">
+              <a:buNone/>
+              <a:defRPr sz="1500"/>
             </a:lvl9pPr>
           </a:lstStyle>
           <a:p>
@@ -4544,8 +4544,8 @@
         </p:nvSpPr>
         <p:spPr>
           <a:xfrm>
-            <a:off x="1792288" y="5367338"/>
-            <a:ext cx="5486400" cy="804862"/>
+            <a:off x="1792288" y="4025504"/>
+            <a:ext cx="5486400" cy="603647"/>
           </a:xfrm>
         </p:spPr>
         <p:txBody>
@@ -4553,39 +4553,39 @@
           <a:lstStyle>
             <a:lvl1pPr marL="0" indent="0">
               <a:buNone/>
-              <a:defRPr sz="1400"/>
+              <a:defRPr sz="1050"/>
             </a:lvl1pPr>
-            <a:lvl2pPr marL="457200" indent="0">
-              <a:buNone/>
-              <a:defRPr sz="1200"/>
+            <a:lvl2pPr marL="342892" indent="0">
+              <a:buNone/>
+              <a:defRPr sz="900"/>
             </a:lvl2pPr>
-            <a:lvl3pPr marL="914400" indent="0">
-              <a:buNone/>
-              <a:defRPr sz="1000"/>
+            <a:lvl3pPr marL="685783" indent="0">
+              <a:buNone/>
+              <a:defRPr sz="750"/>
             </a:lvl3pPr>
-            <a:lvl4pPr marL="1371600" indent="0">
-              <a:buNone/>
-              <a:defRPr sz="900"/>
+            <a:lvl4pPr marL="1028675" indent="0">
+              <a:buNone/>
+              <a:defRPr sz="675"/>
             </a:lvl4pPr>
-            <a:lvl5pPr marL="1828800" indent="0">
-              <a:buNone/>
-              <a:defRPr sz="900"/>
+            <a:lvl5pPr marL="1371566" indent="0">
+              <a:buNone/>
+              <a:defRPr sz="675"/>
             </a:lvl5pPr>
-            <a:lvl6pPr marL="2286000" indent="0">
-              <a:buNone/>
-              <a:defRPr sz="900"/>
+            <a:lvl6pPr marL="1714457" indent="0">
+              <a:buNone/>
+              <a:defRPr sz="675"/>
             </a:lvl6pPr>
-            <a:lvl7pPr marL="2743200" indent="0">
-              <a:buNone/>
-              <a:defRPr sz="900"/>
+            <a:lvl7pPr marL="2057348" indent="0">
+              <a:buNone/>
+              <a:defRPr sz="675"/>
             </a:lvl7pPr>
-            <a:lvl8pPr marL="3200400" indent="0">
-              <a:buNone/>
-              <a:defRPr sz="900"/>
+            <a:lvl8pPr marL="2400240" indent="0">
+              <a:buNone/>
+              <a:defRPr sz="675"/>
             </a:lvl8pPr>
-            <a:lvl9pPr marL="3657600" indent="0">
-              <a:buNone/>
-              <a:defRPr sz="900"/>
+            <a:lvl9pPr marL="2743132" indent="0">
+              <a:buNone/>
+              <a:defRPr sz="675"/>
             </a:lvl9pPr>
           </a:lstStyle>
           <a:p>
@@ -4641,7 +4641,7 @@
           <p:cNvPicPr>
             <a:picLocks noChangeAspect="1"/>
           </p:cNvPicPr>
-          <p:nvPr/>
+          <p:nvPr userDrawn="1"/>
         </p:nvPicPr>
         <p:blipFill>
           <a:blip r:embed="rId12" cstate="print">
@@ -4659,7 +4659,7 @@
         <p:spPr bwMode="auto">
           <a:xfrm>
             <a:off x="0" y="0"/>
-            <a:ext cx="9144000" cy="6858000"/>
+            <a:ext cx="9144000" cy="5143500"/>
           </a:xfrm>
           <a:prstGeom prst="rect">
             <a:avLst/>
@@ -4695,7 +4695,7 @@
           <p:cNvPicPr>
             <a:picLocks noChangeAspect="1"/>
           </p:cNvPicPr>
-          <p:nvPr/>
+          <p:nvPr userDrawn="1"/>
         </p:nvPicPr>
         <p:blipFill>
           <a:blip r:embed="rId13" cstate="print">
@@ -4712,8 +4712,8 @@
         </p:blipFill>
         <p:spPr bwMode="hidden">
           <a:xfrm>
-            <a:off x="0" y="0"/>
-            <a:ext cx="9144000" cy="6858000"/>
+            <a:off x="763960" y="0"/>
+            <a:ext cx="8380040" cy="5143500"/>
           </a:xfrm>
           <a:prstGeom prst="rect">
             <a:avLst/>
@@ -4743,20 +4743,37 @@
           </a:extLst>
         </p:spPr>
       </p:pic>
-      <p:sp>
-        <p:nvSpPr>
-          <p:cNvPr id="1028" name="Rectangle 2"/>
-          <p:cNvSpPr>
-            <a:spLocks noGrp="1" noChangeArrowheads="1"/>
-          </p:cNvSpPr>
-          <p:nvPr>
-            <p:ph type="title"/>
-          </p:nvPr>
-        </p:nvSpPr>
-        <p:spPr bwMode="auto">
+      <p:pic>
+        <p:nvPicPr>
+          <p:cNvPr id="2" name="Grafik 7" descr="ub-cd-ppt-back02-5.gif">
+            <a:extLst>
+              <a:ext uri="{FF2B5EF4-FFF2-40B4-BE49-F238E27FC236}">
+                <a16:creationId xmlns:a16="http://schemas.microsoft.com/office/drawing/2014/main" id="{196275FF-C20D-A9BA-43A7-65E1DDED303B}"/>
+              </a:ext>
+            </a:extLst>
+          </p:cNvPr>
+          <p:cNvPicPr>
+            <a:picLocks noChangeAspect="1"/>
+          </p:cNvPicPr>
+          <p:nvPr userDrawn="1"/>
+        </p:nvPicPr>
+        <p:blipFill rotWithShape="1">
+          <a:blip r:embed="rId13" cstate="print">
+            <a:extLst>
+              <a:ext uri="{28A0092B-C50C-407E-A947-70E740481C1C}">
+                <a14:useLocalDpi xmlns:a14="http://schemas.microsoft.com/office/drawing/2010/main" val="0"/>
+              </a:ext>
+            </a:extLst>
+          </a:blip>
+          <a:srcRect r="29115"/>
+          <a:stretch>
+            <a:fillRect/>
+          </a:stretch>
+        </p:blipFill>
+        <p:spPr bwMode="hidden">
           <a:xfrm>
-            <a:off x="838200" y="1143000"/>
-            <a:ext cx="7467600" cy="1143000"/>
+            <a:off x="0" y="0"/>
+            <a:ext cx="5940152" cy="5143500"/>
           </a:xfrm>
           <a:prstGeom prst="rect">
             <a:avLst/>
@@ -4785,43 +4802,21 @@
             </a:ext>
           </a:extLst>
         </p:spPr>
-        <p:txBody>
-          <a:bodyPr vert="horz" wrap="square" lIns="91440" tIns="45720" rIns="91440" bIns="45720" numCol="1" anchor="ctr" anchorCtr="0" compatLnSpc="1">
-            <a:prstTxWarp prst="textNoShape">
-              <a:avLst/>
-            </a:prstTxWarp>
-          </a:bodyPr>
-          <a:lstStyle/>
-          <a:p>
-            <a:pPr lvl="0"/>
-            <a:r>
-              <a:rPr lang="de-DE"/>
-              <a:t>Klicken Sie, um das Titelformat</a:t>
-            </a:r>
-            <a:br>
-              <a:rPr lang="de-DE"/>
-            </a:br>
-            <a:r>
-              <a:rPr lang="de-DE"/>
-              <a:t>zu bearbeiten</a:t>
-            </a:r>
-          </a:p>
-        </p:txBody>
-      </p:sp>
-      <p:sp>
-        <p:nvSpPr>
-          <p:cNvPr id="1029" name="Rectangle 3"/>
+      </p:pic>
+      <p:sp>
+        <p:nvSpPr>
+          <p:cNvPr id="1028" name="Rectangle 2"/>
           <p:cNvSpPr>
             <a:spLocks noGrp="1" noChangeArrowheads="1"/>
           </p:cNvSpPr>
           <p:nvPr>
-            <p:ph type="body" idx="1"/>
+            <p:ph type="title"/>
           </p:nvPr>
         </p:nvSpPr>
         <p:spPr bwMode="auto">
           <a:xfrm>
-            <a:off x="838200" y="2590800"/>
-            <a:ext cx="7467600" cy="2819400"/>
+            <a:off x="838200" y="857250"/>
+            <a:ext cx="7467600" cy="857250"/>
           </a:xfrm>
           <a:prstGeom prst="rect">
             <a:avLst/>
@@ -4851,6 +4846,71 @@
           </a:extLst>
         </p:spPr>
         <p:txBody>
+          <a:bodyPr vert="horz" wrap="square" lIns="91440" tIns="45720" rIns="91440" bIns="45720" numCol="1" anchor="ctr" anchorCtr="0" compatLnSpc="1">
+            <a:prstTxWarp prst="textNoShape">
+              <a:avLst/>
+            </a:prstTxWarp>
+          </a:bodyPr>
+          <a:lstStyle/>
+          <a:p>
+            <a:pPr lvl="0"/>
+            <a:r>
+              <a:rPr lang="de-DE"/>
+              <a:t>Klicken Sie, um das Titelformat</a:t>
+            </a:r>
+            <a:br>
+              <a:rPr lang="de-DE"/>
+            </a:br>
+            <a:r>
+              <a:rPr lang="de-DE"/>
+              <a:t>zu bearbeiten</a:t>
+            </a:r>
+          </a:p>
+        </p:txBody>
+      </p:sp>
+      <p:sp>
+        <p:nvSpPr>
+          <p:cNvPr id="1029" name="Rectangle 3"/>
+          <p:cNvSpPr>
+            <a:spLocks noGrp="1" noChangeArrowheads="1"/>
+          </p:cNvSpPr>
+          <p:nvPr>
+            <p:ph type="body" idx="1"/>
+          </p:nvPr>
+        </p:nvSpPr>
+        <p:spPr bwMode="auto">
+          <a:xfrm>
+            <a:off x="838200" y="1943100"/>
+            <a:ext cx="7467600" cy="2114550"/>
+          </a:xfrm>
+          <a:prstGeom prst="rect">
+            <a:avLst/>
+          </a:prstGeom>
+          <a:noFill/>
+          <a:ln>
+            <a:noFill/>
+          </a:ln>
+          <a:extLst>
+            <a:ext uri="{909E8E84-426E-40DD-AFC4-6F175D3DCCD1}">
+              <a14:hiddenFill xmlns:a14="http://schemas.microsoft.com/office/drawing/2010/main">
+                <a:solidFill>
+                  <a:srgbClr val="FFFFFF"/>
+                </a:solidFill>
+              </a14:hiddenFill>
+            </a:ext>
+            <a:ext uri="{91240B29-F687-4F45-9708-019B960494DF}">
+              <a14:hiddenLine xmlns:a14="http://schemas.microsoft.com/office/drawing/2010/main" w="9525">
+                <a:solidFill>
+                  <a:srgbClr val="000000"/>
+                </a:solidFill>
+                <a:miter lim="800000"/>
+                <a:headEnd/>
+                <a:tailEnd/>
+              </a14:hiddenLine>
+            </a:ext>
+          </a:extLst>
+        </p:spPr>
+        <p:txBody>
           <a:bodyPr vert="horz" wrap="square" lIns="91440" tIns="45720" rIns="91440" bIns="45720" numCol="1" anchor="t" anchorCtr="0" compatLnSpc="1">
             <a:prstTxWarp prst="textNoShape">
               <a:avLst/>
@@ -4904,8 +4964,8 @@
         </p:nvSpPr>
         <p:spPr bwMode="auto">
           <a:xfrm>
-            <a:off x="7924800" y="6557963"/>
-            <a:ext cx="1066800" cy="228600"/>
+            <a:off x="7924800" y="4918472"/>
+            <a:ext cx="1066800" cy="171450"/>
           </a:xfrm>
           <a:prstGeom prst="rect">
             <a:avLst/>
@@ -4927,7 +4987,7 @@
               <a:defRPr/>
             </a:pPr>
             <a:r>
-              <a:rPr lang="de-DE" sz="900">
+              <a:rPr lang="de-DE" sz="675">
                 <a:solidFill>
                   <a:srgbClr val="00407A"/>
                 </a:solidFill>
@@ -4937,7 +4997,7 @@
               <a:t>S. </a:t>
             </a:r>
             <a:fld id="{2360F2B3-46C7-490E-BF4F-3D0D5024CC12}" type="slidenum">
-              <a:rPr lang="de-DE" sz="900">
+              <a:rPr lang="de-DE" sz="675">
                 <a:solidFill>
                   <a:srgbClr val="00407A"/>
                 </a:solidFill>
@@ -4949,7 +5009,7 @@
               </a:pPr>
               <a:t>‹Nr.›</a:t>
             </a:fld>
-            <a:endParaRPr lang="de-DE" sz="900">
+            <a:endParaRPr lang="de-DE" sz="675">
               <a:solidFill>
                 <a:srgbClr val="00407A"/>
               </a:solidFill>
@@ -4969,8 +5029,8 @@
         </p:nvSpPr>
         <p:spPr bwMode="auto">
           <a:xfrm>
-            <a:off x="152400" y="6557963"/>
-            <a:ext cx="7543800" cy="228600"/>
+            <a:off x="152400" y="4918472"/>
+            <a:ext cx="7543800" cy="171450"/>
           </a:xfrm>
           <a:prstGeom prst="rect">
             <a:avLst/>
@@ -4992,7 +5052,7 @@
               <a:defRPr/>
             </a:pPr>
             <a:r>
-              <a:rPr lang="de-DE" sz="900" dirty="0">
+              <a:rPr lang="de-DE" sz="675" dirty="0">
                 <a:solidFill>
                   <a:srgbClr val="00407A"/>
                 </a:solidFill>
@@ -5028,7 +5088,7 @@
         <a:spcAft>
           <a:spcPct val="0"/>
         </a:spcAft>
-        <a:defRPr sz="2800">
+        <a:defRPr sz="2100">
           <a:solidFill>
             <a:srgbClr val="00407A"/>
           </a:solidFill>
@@ -5044,7 +5104,7 @@
         <a:spcAft>
           <a:spcPct val="0"/>
         </a:spcAft>
-        <a:defRPr sz="2800">
+        <a:defRPr sz="2100">
           <a:solidFill>
             <a:srgbClr val="00407A"/>
           </a:solidFill>
@@ -5058,7 +5118,7 @@
         <a:spcAft>
           <a:spcPct val="0"/>
         </a:spcAft>
-        <a:defRPr sz="2800">
+        <a:defRPr sz="2100">
           <a:solidFill>
             <a:srgbClr val="00407A"/>
           </a:solidFill>
@@ -5072,7 +5132,7 @@
         <a:spcAft>
           <a:spcPct val="0"/>
         </a:spcAft>
-        <a:defRPr sz="2800">
+        <a:defRPr sz="2100">
           <a:solidFill>
             <a:srgbClr val="00407A"/>
           </a:solidFill>
@@ -5086,63 +5146,63 @@
         <a:spcAft>
           <a:spcPct val="0"/>
         </a:spcAft>
-        <a:defRPr sz="2800">
+        <a:defRPr sz="2100">
           <a:solidFill>
             <a:srgbClr val="00407A"/>
           </a:solidFill>
           <a:latin typeface="Arial" charset="0"/>
         </a:defRPr>
       </a:lvl5pPr>
-      <a:lvl6pPr marL="457200" algn="l" rtl="0" eaLnBrk="1" fontAlgn="base" hangingPunct="1">
+      <a:lvl6pPr marL="342892" algn="l" rtl="0" eaLnBrk="1" fontAlgn="base" hangingPunct="1">
         <a:spcBef>
           <a:spcPct val="0"/>
         </a:spcBef>
         <a:spcAft>
           <a:spcPct val="0"/>
         </a:spcAft>
-        <a:defRPr sz="2800" b="1">
+        <a:defRPr sz="2100" b="1">
           <a:solidFill>
             <a:srgbClr val="00407A"/>
           </a:solidFill>
           <a:latin typeface="UB Scala" pitchFamily="2" charset="0"/>
         </a:defRPr>
       </a:lvl6pPr>
-      <a:lvl7pPr marL="914400" algn="l" rtl="0" eaLnBrk="1" fontAlgn="base" hangingPunct="1">
+      <a:lvl7pPr marL="685783" algn="l" rtl="0" eaLnBrk="1" fontAlgn="base" hangingPunct="1">
         <a:spcBef>
           <a:spcPct val="0"/>
         </a:spcBef>
         <a:spcAft>
           <a:spcPct val="0"/>
         </a:spcAft>
-        <a:defRPr sz="2800" b="1">
+        <a:defRPr sz="2100" b="1">
           <a:solidFill>
             <a:srgbClr val="00407A"/>
           </a:solidFill>
           <a:latin typeface="UB Scala" pitchFamily="2" charset="0"/>
         </a:defRPr>
       </a:lvl7pPr>
-      <a:lvl8pPr marL="1371600" algn="l" rtl="0" eaLnBrk="1" fontAlgn="base" hangingPunct="1">
+      <a:lvl8pPr marL="1028675" algn="l" rtl="0" eaLnBrk="1" fontAlgn="base" hangingPunct="1">
         <a:spcBef>
           <a:spcPct val="0"/>
         </a:spcBef>
         <a:spcAft>
           <a:spcPct val="0"/>
         </a:spcAft>
-        <a:defRPr sz="2800" b="1">
+        <a:defRPr sz="2100" b="1">
           <a:solidFill>
             <a:srgbClr val="00407A"/>
           </a:solidFill>
           <a:latin typeface="UB Scala" pitchFamily="2" charset="0"/>
         </a:defRPr>
       </a:lvl8pPr>
-      <a:lvl9pPr marL="1828800" algn="l" rtl="0" eaLnBrk="1" fontAlgn="base" hangingPunct="1">
+      <a:lvl9pPr marL="1371566" algn="l" rtl="0" eaLnBrk="1" fontAlgn="base" hangingPunct="1">
         <a:spcBef>
           <a:spcPct val="0"/>
         </a:spcBef>
         <a:spcAft>
           <a:spcPct val="0"/>
         </a:spcAft>
-        <a:defRPr sz="2800" b="1">
+        <a:defRPr sz="2100" b="1">
           <a:solidFill>
             <a:srgbClr val="00407A"/>
           </a:solidFill>
@@ -5151,7 +5211,7 @@
       </a:lvl9pPr>
     </p:titleStyle>
     <p:bodyStyle>
-      <a:lvl1pPr marL="342900" indent="-342900" algn="l" rtl="0" eaLnBrk="1" fontAlgn="base" hangingPunct="1">
+      <a:lvl1pPr marL="257168" indent="-257168" algn="l" rtl="0" eaLnBrk="1" fontAlgn="base" hangingPunct="1">
         <a:spcBef>
           <a:spcPct val="20000"/>
         </a:spcBef>
@@ -5159,7 +5219,7 @@
           <a:spcPct val="0"/>
         </a:spcAft>
         <a:buChar char="•"/>
-        <a:defRPr sz="2200">
+        <a:defRPr sz="1650">
           <a:solidFill>
             <a:schemeClr val="tx1"/>
           </a:solidFill>
@@ -5168,7 +5228,7 @@
           <a:cs typeface="+mn-cs"/>
         </a:defRPr>
       </a:lvl1pPr>
-      <a:lvl2pPr marL="742950" indent="-285750" algn="l" rtl="0" eaLnBrk="1" fontAlgn="base" hangingPunct="1">
+      <a:lvl2pPr marL="557199" indent="-214308" algn="l" rtl="0" eaLnBrk="1" fontAlgn="base" hangingPunct="1">
         <a:spcBef>
           <a:spcPct val="20000"/>
         </a:spcBef>
@@ -5176,14 +5236,14 @@
           <a:spcPct val="0"/>
         </a:spcAft>
         <a:buChar char="•"/>
-        <a:defRPr sz="2000">
+        <a:defRPr sz="1500">
           <a:solidFill>
             <a:schemeClr val="tx1"/>
           </a:solidFill>
           <a:latin typeface="Arial" charset="0"/>
         </a:defRPr>
       </a:lvl2pPr>
-      <a:lvl3pPr marL="1143000" indent="-228600" algn="l" rtl="0" eaLnBrk="1" fontAlgn="base" hangingPunct="1">
+      <a:lvl3pPr marL="857228" indent="-171446" algn="l" rtl="0" eaLnBrk="1" fontAlgn="base" hangingPunct="1">
         <a:spcBef>
           <a:spcPct val="20000"/>
         </a:spcBef>
@@ -5199,7 +5259,7 @@
           <a:latin typeface="Arial" charset="0"/>
         </a:defRPr>
       </a:lvl3pPr>
-      <a:lvl4pPr marL="1600200" indent="-228600" algn="l" rtl="0" eaLnBrk="1" fontAlgn="base" hangingPunct="1">
+      <a:lvl4pPr marL="1200120" indent="-171446" algn="l" rtl="0" eaLnBrk="1" fontAlgn="base" hangingPunct="1">
         <a:spcBef>
           <a:spcPct val="20000"/>
         </a:spcBef>
@@ -5207,14 +5267,14 @@
           <a:spcPct val="0"/>
         </a:spcAft>
         <a:buChar char="+"/>
-        <a:defRPr sz="1600">
+        <a:defRPr sz="1200">
           <a:solidFill>
             <a:schemeClr val="tx1"/>
           </a:solidFill>
           <a:latin typeface="Arial" charset="0"/>
         </a:defRPr>
       </a:lvl4pPr>
-      <a:lvl5pPr marL="2057400" indent="-228600" algn="l" rtl="0" eaLnBrk="1" fontAlgn="base" hangingPunct="1">
+      <a:lvl5pPr marL="1543012" indent="-171446" algn="l" rtl="0" eaLnBrk="1" fontAlgn="base" hangingPunct="1">
         <a:spcBef>
           <a:spcPct val="20000"/>
         </a:spcBef>
@@ -5222,14 +5282,14 @@
           <a:spcPct val="0"/>
         </a:spcAft>
         <a:buChar char="–"/>
-        <a:defRPr sz="1400">
+        <a:defRPr sz="1050">
           <a:solidFill>
             <a:schemeClr val="tx1"/>
           </a:solidFill>
           <a:latin typeface="Arial" charset="0"/>
         </a:defRPr>
       </a:lvl5pPr>
-      <a:lvl6pPr marL="2514600" indent="-228600" algn="l" rtl="0" eaLnBrk="1" fontAlgn="base" hangingPunct="1">
+      <a:lvl6pPr marL="1885903" indent="-171446" algn="l" rtl="0" eaLnBrk="1" fontAlgn="base" hangingPunct="1">
         <a:spcBef>
           <a:spcPct val="20000"/>
         </a:spcBef>
@@ -5237,14 +5297,14 @@
           <a:spcPct val="0"/>
         </a:spcAft>
         <a:buChar char="–"/>
-        <a:defRPr sz="1400">
+        <a:defRPr sz="1050">
           <a:solidFill>
             <a:schemeClr val="tx1"/>
           </a:solidFill>
           <a:latin typeface="+mn-lt"/>
         </a:defRPr>
       </a:lvl6pPr>
-      <a:lvl7pPr marL="2971800" indent="-228600" algn="l" rtl="0" eaLnBrk="1" fontAlgn="base" hangingPunct="1">
+      <a:lvl7pPr marL="2228795" indent="-171446" algn="l" rtl="0" eaLnBrk="1" fontAlgn="base" hangingPunct="1">
         <a:spcBef>
           <a:spcPct val="20000"/>
         </a:spcBef>
@@ -5252,14 +5312,14 @@
           <a:spcPct val="0"/>
         </a:spcAft>
         <a:buChar char="–"/>
-        <a:defRPr sz="1400">
+        <a:defRPr sz="1050">
           <a:solidFill>
             <a:schemeClr val="tx1"/>
           </a:solidFill>
           <a:latin typeface="+mn-lt"/>
         </a:defRPr>
       </a:lvl7pPr>
-      <a:lvl8pPr marL="3429000" indent="-228600" algn="l" rtl="0" eaLnBrk="1" fontAlgn="base" hangingPunct="1">
+      <a:lvl8pPr marL="2571686" indent="-171446" algn="l" rtl="0" eaLnBrk="1" fontAlgn="base" hangingPunct="1">
         <a:spcBef>
           <a:spcPct val="20000"/>
         </a:spcBef>
@@ -5267,14 +5327,14 @@
           <a:spcPct val="0"/>
         </a:spcAft>
         <a:buChar char="–"/>
-        <a:defRPr sz="1400">
+        <a:defRPr sz="1050">
           <a:solidFill>
             <a:schemeClr val="tx1"/>
           </a:solidFill>
           <a:latin typeface="+mn-lt"/>
         </a:defRPr>
       </a:lvl8pPr>
-      <a:lvl9pPr marL="3886200" indent="-228600" algn="l" rtl="0" eaLnBrk="1" fontAlgn="base" hangingPunct="1">
+      <a:lvl9pPr marL="2914577" indent="-171446" algn="l" rtl="0" eaLnBrk="1" fontAlgn="base" hangingPunct="1">
         <a:spcBef>
           <a:spcPct val="20000"/>
         </a:spcBef>
@@ -5282,7 +5342,7 @@
           <a:spcPct val="0"/>
         </a:spcAft>
         <a:buChar char="–"/>
-        <a:defRPr sz="1400">
+        <a:defRPr sz="1050">
           <a:solidFill>
             <a:schemeClr val="tx1"/>
           </a:solidFill>
@@ -5294,8 +5354,8 @@
       <a:defPPr>
         <a:defRPr lang="de-DE"/>
       </a:defPPr>
-      <a:lvl1pPr marL="0" algn="l" defTabSz="914400" rtl="0" eaLnBrk="1" latinLnBrk="0" hangingPunct="1">
-        <a:defRPr sz="1800" kern="1200">
+      <a:lvl1pPr marL="0" algn="l" defTabSz="685783" rtl="0" eaLnBrk="1" latinLnBrk="0" hangingPunct="1">
+        <a:defRPr sz="1350" kern="1200">
           <a:solidFill>
             <a:schemeClr val="tx1"/>
           </a:solidFill>
@@ -5304,8 +5364,8 @@
           <a:cs typeface="+mn-cs"/>
         </a:defRPr>
       </a:lvl1pPr>
-      <a:lvl2pPr marL="457200" algn="l" defTabSz="914400" rtl="0" eaLnBrk="1" latinLnBrk="0" hangingPunct="1">
-        <a:defRPr sz="1800" kern="1200">
+      <a:lvl2pPr marL="342892" algn="l" defTabSz="685783" rtl="0" eaLnBrk="1" latinLnBrk="0" hangingPunct="1">
+        <a:defRPr sz="1350" kern="1200">
           <a:solidFill>
             <a:schemeClr val="tx1"/>
           </a:solidFill>
@@ -5314,8 +5374,8 @@
           <a:cs typeface="+mn-cs"/>
         </a:defRPr>
       </a:lvl2pPr>
-      <a:lvl3pPr marL="914400" algn="l" defTabSz="914400" rtl="0" eaLnBrk="1" latinLnBrk="0" hangingPunct="1">
-        <a:defRPr sz="1800" kern="1200">
+      <a:lvl3pPr marL="685783" algn="l" defTabSz="685783" rtl="0" eaLnBrk="1" latinLnBrk="0" hangingPunct="1">
+        <a:defRPr sz="1350" kern="1200">
           <a:solidFill>
             <a:schemeClr val="tx1"/>
           </a:solidFill>
@@ -5324,8 +5384,8 @@
           <a:cs typeface="+mn-cs"/>
         </a:defRPr>
       </a:lvl3pPr>
-      <a:lvl4pPr marL="1371600" algn="l" defTabSz="914400" rtl="0" eaLnBrk="1" latinLnBrk="0" hangingPunct="1">
-        <a:defRPr sz="1800" kern="1200">
+      <a:lvl4pPr marL="1028675" algn="l" defTabSz="685783" rtl="0" eaLnBrk="1" latinLnBrk="0" hangingPunct="1">
+        <a:defRPr sz="1350" kern="1200">
           <a:solidFill>
             <a:schemeClr val="tx1"/>
           </a:solidFill>
@@ -5334,8 +5394,8 @@
           <a:cs typeface="+mn-cs"/>
         </a:defRPr>
       </a:lvl4pPr>
-      <a:lvl5pPr marL="1828800" algn="l" defTabSz="914400" rtl="0" eaLnBrk="1" latinLnBrk="0" hangingPunct="1">
-        <a:defRPr sz="1800" kern="1200">
+      <a:lvl5pPr marL="1371566" algn="l" defTabSz="685783" rtl="0" eaLnBrk="1" latinLnBrk="0" hangingPunct="1">
+        <a:defRPr sz="1350" kern="1200">
           <a:solidFill>
             <a:schemeClr val="tx1"/>
           </a:solidFill>
@@ -5344,8 +5404,8 @@
           <a:cs typeface="+mn-cs"/>
         </a:defRPr>
       </a:lvl5pPr>
-      <a:lvl6pPr marL="2286000" algn="l" defTabSz="914400" rtl="0" eaLnBrk="1" latinLnBrk="0" hangingPunct="1">
-        <a:defRPr sz="1800" kern="1200">
+      <a:lvl6pPr marL="1714457" algn="l" defTabSz="685783" rtl="0" eaLnBrk="1" latinLnBrk="0" hangingPunct="1">
+        <a:defRPr sz="1350" kern="1200">
           <a:solidFill>
             <a:schemeClr val="tx1"/>
           </a:solidFill>
@@ -5354,8 +5414,8 @@
           <a:cs typeface="+mn-cs"/>
         </a:defRPr>
       </a:lvl6pPr>
-      <a:lvl7pPr marL="2743200" algn="l" defTabSz="914400" rtl="0" eaLnBrk="1" latinLnBrk="0" hangingPunct="1">
-        <a:defRPr sz="1800" kern="1200">
+      <a:lvl7pPr marL="2057348" algn="l" defTabSz="685783" rtl="0" eaLnBrk="1" latinLnBrk="0" hangingPunct="1">
+        <a:defRPr sz="1350" kern="1200">
           <a:solidFill>
             <a:schemeClr val="tx1"/>
           </a:solidFill>
@@ -5364,8 +5424,8 @@
           <a:cs typeface="+mn-cs"/>
         </a:defRPr>
       </a:lvl7pPr>
-      <a:lvl8pPr marL="3200400" algn="l" defTabSz="914400" rtl="0" eaLnBrk="1" latinLnBrk="0" hangingPunct="1">
-        <a:defRPr sz="1800" kern="1200">
+      <a:lvl8pPr marL="2400240" algn="l" defTabSz="685783" rtl="0" eaLnBrk="1" latinLnBrk="0" hangingPunct="1">
+        <a:defRPr sz="1350" kern="1200">
           <a:solidFill>
             <a:schemeClr val="tx1"/>
           </a:solidFill>
@@ -5374,8 +5434,8 @@
           <a:cs typeface="+mn-cs"/>
         </a:defRPr>
       </a:lvl8pPr>
-      <a:lvl9pPr marL="3657600" algn="l" defTabSz="914400" rtl="0" eaLnBrk="1" latinLnBrk="0" hangingPunct="1">
-        <a:defRPr sz="1800" kern="1200">
+      <a:lvl9pPr marL="2743132" algn="l" defTabSz="685783" rtl="0" eaLnBrk="1" latinLnBrk="0" hangingPunct="1">
+        <a:defRPr sz="1350" kern="1200">
           <a:solidFill>
             <a:schemeClr val="tx1"/>
           </a:solidFill>
@@ -5429,8 +5489,8 @@
         </p:nvSpPr>
         <p:spPr>
           <a:xfrm>
-            <a:off x="628650" y="365125"/>
-            <a:ext cx="7886700" cy="1325563"/>
+            <a:off x="628650" y="273844"/>
+            <a:ext cx="7886700" cy="994172"/>
           </a:xfrm>
           <a:prstGeom prst="rect">
             <a:avLst/>
@@ -5468,8 +5528,8 @@
         </p:nvSpPr>
         <p:spPr>
           <a:xfrm>
-            <a:off x="628650" y="1825625"/>
-            <a:ext cx="7886700" cy="4351338"/>
+            <a:off x="628650" y="1369219"/>
+            <a:ext cx="7886700" cy="3263504"/>
           </a:xfrm>
           <a:prstGeom prst="rect">
             <a:avLst/>
@@ -5536,8 +5596,8 @@
         </p:nvSpPr>
         <p:spPr>
           <a:xfrm>
-            <a:off x="628650" y="6356350"/>
-            <a:ext cx="2057400" cy="365125"/>
+            <a:off x="628650" y="4767264"/>
+            <a:ext cx="2057400" cy="273844"/>
           </a:xfrm>
           <a:prstGeom prst="rect">
             <a:avLst/>
@@ -5547,7 +5607,7 @@
           <a:bodyPr vert="horz" lIns="91440" tIns="45720" rIns="91440" bIns="45720" rtlCol="0" anchor="ctr"/>
           <a:lstStyle>
             <a:lvl1pPr algn="l">
-              <a:defRPr sz="1200">
+              <a:defRPr sz="900">
                 <a:solidFill>
                   <a:schemeClr val="tx1">
                     <a:tint val="75000"/>
@@ -5559,7 +5619,7 @@
           <a:p>
             <a:fld id="{D47972F1-FEF2-4633-9995-5759E4423898}" type="datetimeFigureOut">
               <a:rPr lang="en-CA" smtClean="0"/>
-              <a:t>2022-12-21</a:t>
+              <a:t>2025-07-25</a:t>
             </a:fld>
             <a:endParaRPr lang="en-CA"/>
           </a:p>
@@ -5583,8 +5643,8 @@
         </p:nvSpPr>
         <p:spPr>
           <a:xfrm>
-            <a:off x="3028950" y="6356350"/>
-            <a:ext cx="3086100" cy="365125"/>
+            <a:off x="3028950" y="4767264"/>
+            <a:ext cx="3086100" cy="273844"/>
           </a:xfrm>
           <a:prstGeom prst="rect">
             <a:avLst/>
@@ -5594,7 +5654,7 @@
           <a:bodyPr vert="horz" lIns="91440" tIns="45720" rIns="91440" bIns="45720" rtlCol="0" anchor="ctr"/>
           <a:lstStyle>
             <a:lvl1pPr algn="ctr">
-              <a:defRPr sz="1200">
+              <a:defRPr sz="900">
                 <a:solidFill>
                   <a:schemeClr val="tx1">
                     <a:tint val="75000"/>
@@ -5626,8 +5686,8 @@
         </p:nvSpPr>
         <p:spPr>
           <a:xfrm>
-            <a:off x="6457950" y="6356350"/>
-            <a:ext cx="2057400" cy="365125"/>
+            <a:off x="6457950" y="4767264"/>
+            <a:ext cx="2057400" cy="273844"/>
           </a:xfrm>
           <a:prstGeom prst="rect">
             <a:avLst/>
@@ -5637,7 +5697,7 @@
           <a:bodyPr vert="horz" lIns="91440" tIns="45720" rIns="91440" bIns="45720" rtlCol="0" anchor="ctr"/>
           <a:lstStyle>
             <a:lvl1pPr algn="r">
-              <a:defRPr sz="1200">
+              <a:defRPr sz="900">
                 <a:solidFill>
                   <a:schemeClr val="tx1">
                     <a:tint val="75000"/>
@@ -5678,7 +5738,7 @@
   </p:sldLayoutIdLst>
   <p:txStyles>
     <p:titleStyle>
-      <a:lvl1pPr algn="l" defTabSz="914400" rtl="0" eaLnBrk="1" latinLnBrk="0" hangingPunct="1">
+      <a:lvl1pPr algn="l" defTabSz="685783" rtl="0" eaLnBrk="1" latinLnBrk="0" hangingPunct="1">
         <a:lnSpc>
           <a:spcPct val="90000"/>
         </a:lnSpc>
@@ -5686,7 +5746,7 @@
           <a:spcPct val="0"/>
         </a:spcBef>
         <a:buNone/>
-        <a:defRPr sz="4400" kern="1200">
+        <a:defRPr sz="3300" kern="1200">
           <a:solidFill>
             <a:schemeClr val="tx1"/>
           </a:solidFill>
@@ -5697,16 +5757,16 @@
       </a:lvl1pPr>
     </p:titleStyle>
     <p:bodyStyle>
-      <a:lvl1pPr marL="228600" indent="-228600" algn="l" defTabSz="914400" rtl="0" eaLnBrk="1" latinLnBrk="0" hangingPunct="1">
+      <a:lvl1pPr marL="171446" indent="-171446" algn="l" defTabSz="685783" rtl="0" eaLnBrk="1" latinLnBrk="0" hangingPunct="1">
         <a:lnSpc>
           <a:spcPct val="90000"/>
         </a:lnSpc>
         <a:spcBef>
-          <a:spcPts val="1000"/>
+          <a:spcPts val="750"/>
         </a:spcBef>
         <a:buFont typeface="Arial" panose="020B0604020202020204" pitchFamily="34" charset="0"/>
         <a:buChar char="•"/>
-        <a:defRPr sz="2800" kern="1200">
+        <a:defRPr sz="2100" kern="1200">
           <a:solidFill>
             <a:schemeClr val="tx1"/>
           </a:solidFill>
@@ -5715,48 +5775,12 @@
           <a:cs typeface="+mn-cs"/>
         </a:defRPr>
       </a:lvl1pPr>
-      <a:lvl2pPr marL="685800" indent="-228600" algn="l" defTabSz="914400" rtl="0" eaLnBrk="1" latinLnBrk="0" hangingPunct="1">
+      <a:lvl2pPr marL="514337" indent="-171446" algn="l" defTabSz="685783" rtl="0" eaLnBrk="1" latinLnBrk="0" hangingPunct="1">
         <a:lnSpc>
           <a:spcPct val="90000"/>
         </a:lnSpc>
         <a:spcBef>
-          <a:spcPts val="500"/>
-        </a:spcBef>
-        <a:buFont typeface="Arial" panose="020B0604020202020204" pitchFamily="34" charset="0"/>
-        <a:buChar char="•"/>
-        <a:defRPr sz="2400" kern="1200">
-          <a:solidFill>
-            <a:schemeClr val="tx1"/>
-          </a:solidFill>
-          <a:latin typeface="+mn-lt"/>
-          <a:ea typeface="+mn-ea"/>
-          <a:cs typeface="+mn-cs"/>
-        </a:defRPr>
-      </a:lvl2pPr>
-      <a:lvl3pPr marL="1143000" indent="-228600" algn="l" defTabSz="914400" rtl="0" eaLnBrk="1" latinLnBrk="0" hangingPunct="1">
-        <a:lnSpc>
-          <a:spcPct val="90000"/>
-        </a:lnSpc>
-        <a:spcBef>
-          <a:spcPts val="500"/>
-        </a:spcBef>
-        <a:buFont typeface="Arial" panose="020B0604020202020204" pitchFamily="34" charset="0"/>
-        <a:buChar char="•"/>
-        <a:defRPr sz="2000" kern="1200">
-          <a:solidFill>
-            <a:schemeClr val="tx1"/>
-          </a:solidFill>
-          <a:latin typeface="+mn-lt"/>
-          <a:ea typeface="+mn-ea"/>
-          <a:cs typeface="+mn-cs"/>
-        </a:defRPr>
-      </a:lvl3pPr>
-      <a:lvl4pPr marL="1600200" indent="-228600" algn="l" defTabSz="914400" rtl="0" eaLnBrk="1" latinLnBrk="0" hangingPunct="1">
-        <a:lnSpc>
-          <a:spcPct val="90000"/>
-        </a:lnSpc>
-        <a:spcBef>
-          <a:spcPts val="500"/>
+          <a:spcPts val="375"/>
         </a:spcBef>
         <a:buFont typeface="Arial" panose="020B0604020202020204" pitchFamily="34" charset="0"/>
         <a:buChar char="•"/>
@@ -5768,17 +5792,53 @@
           <a:ea typeface="+mn-ea"/>
           <a:cs typeface="+mn-cs"/>
         </a:defRPr>
-      </a:lvl4pPr>
-      <a:lvl5pPr marL="2057400" indent="-228600" algn="l" defTabSz="914400" rtl="0" eaLnBrk="1" latinLnBrk="0" hangingPunct="1">
+      </a:lvl2pPr>
+      <a:lvl3pPr marL="857228" indent="-171446" algn="l" defTabSz="685783" rtl="0" eaLnBrk="1" latinLnBrk="0" hangingPunct="1">
         <a:lnSpc>
           <a:spcPct val="90000"/>
         </a:lnSpc>
         <a:spcBef>
-          <a:spcPts val="500"/>
+          <a:spcPts val="375"/>
         </a:spcBef>
         <a:buFont typeface="Arial" panose="020B0604020202020204" pitchFamily="34" charset="0"/>
         <a:buChar char="•"/>
-        <a:defRPr sz="1800" kern="1200">
+        <a:defRPr sz="1500" kern="1200">
+          <a:solidFill>
+            <a:schemeClr val="tx1"/>
+          </a:solidFill>
+          <a:latin typeface="+mn-lt"/>
+          <a:ea typeface="+mn-ea"/>
+          <a:cs typeface="+mn-cs"/>
+        </a:defRPr>
+      </a:lvl3pPr>
+      <a:lvl4pPr marL="1200120" indent="-171446" algn="l" defTabSz="685783" rtl="0" eaLnBrk="1" latinLnBrk="0" hangingPunct="1">
+        <a:lnSpc>
+          <a:spcPct val="90000"/>
+        </a:lnSpc>
+        <a:spcBef>
+          <a:spcPts val="375"/>
+        </a:spcBef>
+        <a:buFont typeface="Arial" panose="020B0604020202020204" pitchFamily="34" charset="0"/>
+        <a:buChar char="•"/>
+        <a:defRPr sz="1350" kern="1200">
+          <a:solidFill>
+            <a:schemeClr val="tx1"/>
+          </a:solidFill>
+          <a:latin typeface="+mn-lt"/>
+          <a:ea typeface="+mn-ea"/>
+          <a:cs typeface="+mn-cs"/>
+        </a:defRPr>
+      </a:lvl4pPr>
+      <a:lvl5pPr marL="1543012" indent="-171446" algn="l" defTabSz="685783" rtl="0" eaLnBrk="1" latinLnBrk="0" hangingPunct="1">
+        <a:lnSpc>
+          <a:spcPct val="90000"/>
+        </a:lnSpc>
+        <a:spcBef>
+          <a:spcPts val="375"/>
+        </a:spcBef>
+        <a:buFont typeface="Arial" panose="020B0604020202020204" pitchFamily="34" charset="0"/>
+        <a:buChar char="•"/>
+        <a:defRPr sz="1350" kern="1200">
           <a:solidFill>
             <a:schemeClr val="tx1"/>
           </a:solidFill>
@@ -5787,16 +5847,16 @@
           <a:cs typeface="+mn-cs"/>
         </a:defRPr>
       </a:lvl5pPr>
-      <a:lvl6pPr marL="2514600" indent="-228600" algn="l" defTabSz="914400" rtl="0" eaLnBrk="1" latinLnBrk="0" hangingPunct="1">
+      <a:lvl6pPr marL="1885903" indent="-171446" algn="l" defTabSz="685783" rtl="0" eaLnBrk="1" latinLnBrk="0" hangingPunct="1">
         <a:lnSpc>
           <a:spcPct val="90000"/>
         </a:lnSpc>
         <a:spcBef>
-          <a:spcPts val="500"/>
+          <a:spcPts val="375"/>
         </a:spcBef>
         <a:buFont typeface="Arial" panose="020B0604020202020204" pitchFamily="34" charset="0"/>
         <a:buChar char="•"/>
-        <a:defRPr sz="1800" kern="1200">
+        <a:defRPr sz="1350" kern="1200">
           <a:solidFill>
             <a:schemeClr val="tx1"/>
           </a:solidFill>
@@ -5805,16 +5865,16 @@
           <a:cs typeface="+mn-cs"/>
         </a:defRPr>
       </a:lvl6pPr>
-      <a:lvl7pPr marL="2971800" indent="-228600" algn="l" defTabSz="914400" rtl="0" eaLnBrk="1" latinLnBrk="0" hangingPunct="1">
+      <a:lvl7pPr marL="2228795" indent="-171446" algn="l" defTabSz="685783" rtl="0" eaLnBrk="1" latinLnBrk="0" hangingPunct="1">
         <a:lnSpc>
           <a:spcPct val="90000"/>
         </a:lnSpc>
         <a:spcBef>
-          <a:spcPts val="500"/>
+          <a:spcPts val="375"/>
         </a:spcBef>
         <a:buFont typeface="Arial" panose="020B0604020202020204" pitchFamily="34" charset="0"/>
         <a:buChar char="•"/>
-        <a:defRPr sz="1800" kern="1200">
+        <a:defRPr sz="1350" kern="1200">
           <a:solidFill>
             <a:schemeClr val="tx1"/>
           </a:solidFill>
@@ -5823,16 +5883,16 @@
           <a:cs typeface="+mn-cs"/>
         </a:defRPr>
       </a:lvl7pPr>
-      <a:lvl8pPr marL="3429000" indent="-228600" algn="l" defTabSz="914400" rtl="0" eaLnBrk="1" latinLnBrk="0" hangingPunct="1">
+      <a:lvl8pPr marL="2571686" indent="-171446" algn="l" defTabSz="685783" rtl="0" eaLnBrk="1" latinLnBrk="0" hangingPunct="1">
         <a:lnSpc>
           <a:spcPct val="90000"/>
         </a:lnSpc>
         <a:spcBef>
-          <a:spcPts val="500"/>
+          <a:spcPts val="375"/>
         </a:spcBef>
         <a:buFont typeface="Arial" panose="020B0604020202020204" pitchFamily="34" charset="0"/>
         <a:buChar char="•"/>
-        <a:defRPr sz="1800" kern="1200">
+        <a:defRPr sz="1350" kern="1200">
           <a:solidFill>
             <a:schemeClr val="tx1"/>
           </a:solidFill>
@@ -5841,16 +5901,16 @@
           <a:cs typeface="+mn-cs"/>
         </a:defRPr>
       </a:lvl8pPr>
-      <a:lvl9pPr marL="3886200" indent="-228600" algn="l" defTabSz="914400" rtl="0" eaLnBrk="1" latinLnBrk="0" hangingPunct="1">
+      <a:lvl9pPr marL="2914577" indent="-171446" algn="l" defTabSz="685783" rtl="0" eaLnBrk="1" latinLnBrk="0" hangingPunct="1">
         <a:lnSpc>
           <a:spcPct val="90000"/>
         </a:lnSpc>
         <a:spcBef>
-          <a:spcPts val="500"/>
+          <a:spcPts val="375"/>
         </a:spcBef>
         <a:buFont typeface="Arial" panose="020B0604020202020204" pitchFamily="34" charset="0"/>
         <a:buChar char="•"/>
-        <a:defRPr sz="1800" kern="1200">
+        <a:defRPr sz="1350" kern="1200">
           <a:solidFill>
             <a:schemeClr val="tx1"/>
           </a:solidFill>
@@ -5864,8 +5924,8 @@
       <a:defPPr>
         <a:defRPr lang="en-US"/>
       </a:defPPr>
-      <a:lvl1pPr marL="0" algn="l" defTabSz="914400" rtl="0" eaLnBrk="1" latinLnBrk="0" hangingPunct="1">
-        <a:defRPr sz="1800" kern="1200">
+      <a:lvl1pPr marL="0" algn="l" defTabSz="685783" rtl="0" eaLnBrk="1" latinLnBrk="0" hangingPunct="1">
+        <a:defRPr sz="1350" kern="1200">
           <a:solidFill>
             <a:schemeClr val="tx1"/>
           </a:solidFill>
@@ -5874,8 +5934,8 @@
           <a:cs typeface="+mn-cs"/>
         </a:defRPr>
       </a:lvl1pPr>
-      <a:lvl2pPr marL="457200" algn="l" defTabSz="914400" rtl="0" eaLnBrk="1" latinLnBrk="0" hangingPunct="1">
-        <a:defRPr sz="1800" kern="1200">
+      <a:lvl2pPr marL="342892" algn="l" defTabSz="685783" rtl="0" eaLnBrk="1" latinLnBrk="0" hangingPunct="1">
+        <a:defRPr sz="1350" kern="1200">
           <a:solidFill>
             <a:schemeClr val="tx1"/>
           </a:solidFill>
@@ -5884,8 +5944,8 @@
           <a:cs typeface="+mn-cs"/>
         </a:defRPr>
       </a:lvl2pPr>
-      <a:lvl3pPr marL="914400" algn="l" defTabSz="914400" rtl="0" eaLnBrk="1" latinLnBrk="0" hangingPunct="1">
-        <a:defRPr sz="1800" kern="1200">
+      <a:lvl3pPr marL="685783" algn="l" defTabSz="685783" rtl="0" eaLnBrk="1" latinLnBrk="0" hangingPunct="1">
+        <a:defRPr sz="1350" kern="1200">
           <a:solidFill>
             <a:schemeClr val="tx1"/>
           </a:solidFill>
@@ -5894,8 +5954,8 @@
           <a:cs typeface="+mn-cs"/>
         </a:defRPr>
       </a:lvl3pPr>
-      <a:lvl4pPr marL="1371600" algn="l" defTabSz="914400" rtl="0" eaLnBrk="1" latinLnBrk="0" hangingPunct="1">
-        <a:defRPr sz="1800" kern="1200">
+      <a:lvl4pPr marL="1028675" algn="l" defTabSz="685783" rtl="0" eaLnBrk="1" latinLnBrk="0" hangingPunct="1">
+        <a:defRPr sz="1350" kern="1200">
           <a:solidFill>
             <a:schemeClr val="tx1"/>
           </a:solidFill>
@@ -5904,8 +5964,8 @@
           <a:cs typeface="+mn-cs"/>
         </a:defRPr>
       </a:lvl4pPr>
-      <a:lvl5pPr marL="1828800" algn="l" defTabSz="914400" rtl="0" eaLnBrk="1" latinLnBrk="0" hangingPunct="1">
-        <a:defRPr sz="1800" kern="1200">
+      <a:lvl5pPr marL="1371566" algn="l" defTabSz="685783" rtl="0" eaLnBrk="1" latinLnBrk="0" hangingPunct="1">
+        <a:defRPr sz="1350" kern="1200">
           <a:solidFill>
             <a:schemeClr val="tx1"/>
           </a:solidFill>
@@ -5914,8 +5974,8 @@
           <a:cs typeface="+mn-cs"/>
         </a:defRPr>
       </a:lvl5pPr>
-      <a:lvl6pPr marL="2286000" algn="l" defTabSz="914400" rtl="0" eaLnBrk="1" latinLnBrk="0" hangingPunct="1">
-        <a:defRPr sz="1800" kern="1200">
+      <a:lvl6pPr marL="1714457" algn="l" defTabSz="685783" rtl="0" eaLnBrk="1" latinLnBrk="0" hangingPunct="1">
+        <a:defRPr sz="1350" kern="1200">
           <a:solidFill>
             <a:schemeClr val="tx1"/>
           </a:solidFill>
@@ -5924,8 +5984,8 @@
           <a:cs typeface="+mn-cs"/>
         </a:defRPr>
       </a:lvl6pPr>
-      <a:lvl7pPr marL="2743200" algn="l" defTabSz="914400" rtl="0" eaLnBrk="1" latinLnBrk="0" hangingPunct="1">
-        <a:defRPr sz="1800" kern="1200">
+      <a:lvl7pPr marL="2057348" algn="l" defTabSz="685783" rtl="0" eaLnBrk="1" latinLnBrk="0" hangingPunct="1">
+        <a:defRPr sz="1350" kern="1200">
           <a:solidFill>
             <a:schemeClr val="tx1"/>
           </a:solidFill>
@@ -5934,8 +5994,8 @@
           <a:cs typeface="+mn-cs"/>
         </a:defRPr>
       </a:lvl7pPr>
-      <a:lvl8pPr marL="3200400" algn="l" defTabSz="914400" rtl="0" eaLnBrk="1" latinLnBrk="0" hangingPunct="1">
-        <a:defRPr sz="1800" kern="1200">
+      <a:lvl8pPr marL="2400240" algn="l" defTabSz="685783" rtl="0" eaLnBrk="1" latinLnBrk="0" hangingPunct="1">
+        <a:defRPr sz="1350" kern="1200">
           <a:solidFill>
             <a:schemeClr val="tx1"/>
           </a:solidFill>
@@ -5944,8 +6004,8 @@
           <a:cs typeface="+mn-cs"/>
         </a:defRPr>
       </a:lvl8pPr>
-      <a:lvl9pPr marL="3657600" algn="l" defTabSz="914400" rtl="0" eaLnBrk="1" latinLnBrk="0" hangingPunct="1">
-        <a:defRPr sz="1800" kern="1200">
+      <a:lvl9pPr marL="2743132" algn="l" defTabSz="685783" rtl="0" eaLnBrk="1" latinLnBrk="0" hangingPunct="1">
+        <a:defRPr sz="1350" kern="1200">
           <a:solidFill>
             <a:schemeClr val="tx1"/>
           </a:solidFill>
